--- a/Section03/3_Calibracion/Section03_Calibracion.pptx
+++ b/Section03/3_Calibracion/Section03_Calibracion.pptx
@@ -5,7 +5,7 @@
     <p:sldMasterId id="2147483648" r:id="rId1"/>
   </p:sldMasterIdLst>
   <p:notesMasterIdLst>
-    <p:notesMasterId r:id="rId14"/>
+    <p:notesMasterId r:id="rId18"/>
   </p:notesMasterIdLst>
   <p:sldIdLst>
     <p:sldId id="316" r:id="rId2"/>
@@ -14,12 +14,16 @@
     <p:sldId id="326" r:id="rId5"/>
     <p:sldId id="327" r:id="rId6"/>
     <p:sldId id="317" r:id="rId7"/>
-    <p:sldId id="318" r:id="rId8"/>
-    <p:sldId id="319" r:id="rId9"/>
-    <p:sldId id="320" r:id="rId10"/>
-    <p:sldId id="321" r:id="rId11"/>
-    <p:sldId id="322" r:id="rId12"/>
-    <p:sldId id="323" r:id="rId13"/>
+    <p:sldId id="328" r:id="rId8"/>
+    <p:sldId id="329" r:id="rId9"/>
+    <p:sldId id="330" r:id="rId10"/>
+    <p:sldId id="319" r:id="rId11"/>
+    <p:sldId id="320" r:id="rId12"/>
+    <p:sldId id="321" r:id="rId13"/>
+    <p:sldId id="322" r:id="rId14"/>
+    <p:sldId id="331" r:id="rId15"/>
+    <p:sldId id="337" r:id="rId16"/>
+    <p:sldId id="338" r:id="rId17"/>
   </p:sldIdLst>
   <p:sldSz cx="12192000" cy="6858000"/>
   <p:notesSz cx="6858000" cy="9144000"/>
@@ -3711,6 +3715,520 @@
           <a:chExt cx="0" cy="0"/>
         </a:xfrm>
       </p:grpSpPr>
+      <p:grpSp>
+        <p:nvGrpSpPr>
+          <p:cNvPr id="8" name="Grupo 7">
+            <a:extLst>
+              <a:ext uri="{FF2B5EF4-FFF2-40B4-BE49-F238E27FC236}">
+                <a16:creationId xmlns:a16="http://schemas.microsoft.com/office/drawing/2014/main" id="{D56DB674-1BA9-D8E0-3548-B2BC26DE09E6}"/>
+              </a:ext>
+            </a:extLst>
+          </p:cNvPr>
+          <p:cNvGrpSpPr/>
+          <p:nvPr/>
+        </p:nvGrpSpPr>
+        <p:grpSpPr>
+          <a:xfrm>
+            <a:off x="0" y="1008529"/>
+            <a:ext cx="12192000" cy="4840941"/>
+            <a:chOff x="0" y="1008529"/>
+            <a:chExt cx="12192000" cy="4840941"/>
+          </a:xfrm>
+        </p:grpSpPr>
+        <p:pic>
+          <p:nvPicPr>
+            <p:cNvPr id="3" name="Imagen 2">
+              <a:extLst>
+                <a:ext uri="{FF2B5EF4-FFF2-40B4-BE49-F238E27FC236}">
+                  <a16:creationId xmlns:a16="http://schemas.microsoft.com/office/drawing/2014/main" id="{0DED8CEC-5E0A-F37D-C451-B55661B51562}"/>
+                </a:ext>
+              </a:extLst>
+            </p:cNvPr>
+            <p:cNvPicPr>
+              <a:picLocks noChangeAspect="1"/>
+            </p:cNvPicPr>
+            <p:nvPr/>
+          </p:nvPicPr>
+          <p:blipFill>
+            <a:blip r:embed="rId2"/>
+            <a:stretch>
+              <a:fillRect/>
+            </a:stretch>
+          </p:blipFill>
+          <p:spPr>
+            <a:xfrm>
+              <a:off x="0" y="1008529"/>
+              <a:ext cx="12192000" cy="4840941"/>
+            </a:xfrm>
+            <a:prstGeom prst="rect">
+              <a:avLst/>
+            </a:prstGeom>
+          </p:spPr>
+        </p:pic>
+        <p:sp>
+          <p:nvSpPr>
+            <p:cNvPr id="6" name="Rectángulo 5">
+              <a:extLst>
+                <a:ext uri="{FF2B5EF4-FFF2-40B4-BE49-F238E27FC236}">
+                  <a16:creationId xmlns:a16="http://schemas.microsoft.com/office/drawing/2014/main" id="{FBF1C320-0E1C-4CB3-E69C-BC89C1030E39}"/>
+                </a:ext>
+              </a:extLst>
+            </p:cNvPr>
+            <p:cNvSpPr/>
+            <p:nvPr/>
+          </p:nvSpPr>
+          <p:spPr>
+            <a:xfrm>
+              <a:off x="4410544" y="5496560"/>
+              <a:ext cx="781216" cy="203200"/>
+            </a:xfrm>
+            <a:prstGeom prst="rect">
+              <a:avLst/>
+            </a:prstGeom>
+            <a:noFill/>
+            <a:ln w="28575">
+              <a:solidFill>
+                <a:srgbClr val="C00000"/>
+              </a:solidFill>
+            </a:ln>
+          </p:spPr>
+          <p:style>
+            <a:lnRef idx="2">
+              <a:schemeClr val="accent1">
+                <a:shade val="50000"/>
+              </a:schemeClr>
+            </a:lnRef>
+            <a:fillRef idx="1">
+              <a:schemeClr val="accent1"/>
+            </a:fillRef>
+            <a:effectRef idx="0">
+              <a:schemeClr val="accent1"/>
+            </a:effectRef>
+            <a:fontRef idx="minor">
+              <a:schemeClr val="lt1"/>
+            </a:fontRef>
+          </p:style>
+          <p:txBody>
+            <a:bodyPr rtlCol="0" anchor="ctr"/>
+            <a:lstStyle/>
+            <a:p>
+              <a:pPr algn="ctr"/>
+              <a:endParaRPr lang="en-US"/>
+            </a:p>
+          </p:txBody>
+        </p:sp>
+      </p:grpSp>
+    </p:spTree>
+    <p:extLst>
+      <p:ext uri="{BB962C8B-B14F-4D97-AF65-F5344CB8AC3E}">
+        <p14:creationId xmlns:p14="http://schemas.microsoft.com/office/powerpoint/2010/main" val="4269941715"/>
+      </p:ext>
+    </p:extLst>
+  </p:cSld>
+  <p:clrMapOvr>
+    <a:masterClrMapping/>
+  </p:clrMapOvr>
+</p:sld>
+</file>
+
+<file path=ppt/slides/slide10.xml><?xml version="1.0" encoding="utf-8"?>
+<p:sld xmlns:a="http://schemas.openxmlformats.org/drawingml/2006/main" xmlns:r="http://schemas.openxmlformats.org/officeDocument/2006/relationships" xmlns:p="http://schemas.openxmlformats.org/presentationml/2006/main">
+  <p:cSld>
+    <p:spTree>
+      <p:nvGrpSpPr>
+        <p:cNvPr id="1" name=""/>
+        <p:cNvGrpSpPr/>
+        <p:nvPr/>
+      </p:nvGrpSpPr>
+      <p:grpSpPr>
+        <a:xfrm>
+          <a:off x="0" y="0"/>
+          <a:ext cx="0" cy="0"/>
+          <a:chOff x="0" y="0"/>
+          <a:chExt cx="0" cy="0"/>
+        </a:xfrm>
+      </p:grpSpPr>
+      <p:grpSp>
+        <p:nvGrpSpPr>
+          <p:cNvPr id="19" name="Grupo 18">
+            <a:extLst>
+              <a:ext uri="{FF2B5EF4-FFF2-40B4-BE49-F238E27FC236}">
+                <a16:creationId xmlns:a16="http://schemas.microsoft.com/office/drawing/2014/main" id="{C1AFE634-00E6-39C1-084F-E35AC39BD825}"/>
+              </a:ext>
+            </a:extLst>
+          </p:cNvPr>
+          <p:cNvGrpSpPr/>
+          <p:nvPr/>
+        </p:nvGrpSpPr>
+        <p:grpSpPr>
+          <a:xfrm>
+            <a:off x="186878" y="240539"/>
+            <a:ext cx="11020103" cy="6720931"/>
+            <a:chOff x="186878" y="240539"/>
+            <a:chExt cx="11020103" cy="6720931"/>
+          </a:xfrm>
+        </p:grpSpPr>
+        <p:grpSp>
+          <p:nvGrpSpPr>
+            <p:cNvPr id="9" name="Grupo 8">
+              <a:extLst>
+                <a:ext uri="{FF2B5EF4-FFF2-40B4-BE49-F238E27FC236}">
+                  <a16:creationId xmlns:a16="http://schemas.microsoft.com/office/drawing/2014/main" id="{4E68BD67-6386-465A-F46B-7B52D2324ABB}"/>
+                </a:ext>
+              </a:extLst>
+            </p:cNvPr>
+            <p:cNvGrpSpPr/>
+            <p:nvPr/>
+          </p:nvGrpSpPr>
+          <p:grpSpPr>
+            <a:xfrm>
+              <a:off x="186878" y="240539"/>
+              <a:ext cx="8973444" cy="5322061"/>
+              <a:chOff x="1609278" y="761239"/>
+              <a:chExt cx="8973444" cy="5322061"/>
+            </a:xfrm>
+          </p:grpSpPr>
+          <p:pic>
+            <p:nvPicPr>
+              <p:cNvPr id="3" name="Imagen 2">
+                <a:extLst>
+                  <a:ext uri="{FF2B5EF4-FFF2-40B4-BE49-F238E27FC236}">
+                    <a16:creationId xmlns:a16="http://schemas.microsoft.com/office/drawing/2014/main" id="{801325ED-E3CB-580C-4736-8A6F3FC3242A}"/>
+                  </a:ext>
+                </a:extLst>
+              </p:cNvPr>
+              <p:cNvPicPr>
+                <a:picLocks noChangeAspect="1"/>
+              </p:cNvPicPr>
+              <p:nvPr/>
+            </p:nvPicPr>
+            <p:blipFill rotWithShape="1">
+              <a:blip r:embed="rId2"/>
+              <a:srcRect l="3679" t="14507" r="64199" b="17757"/>
+              <a:stretch/>
+            </p:blipFill>
+            <p:spPr>
+              <a:xfrm>
+                <a:off x="1609278" y="761239"/>
+                <a:ext cx="8973444" cy="5322061"/>
+              </a:xfrm>
+              <a:prstGeom prst="rect">
+                <a:avLst/>
+              </a:prstGeom>
+            </p:spPr>
+          </p:pic>
+          <p:cxnSp>
+            <p:nvCxnSpPr>
+              <p:cNvPr id="5" name="Conector recto de flecha 4">
+                <a:extLst>
+                  <a:ext uri="{FF2B5EF4-FFF2-40B4-BE49-F238E27FC236}">
+                    <a16:creationId xmlns:a16="http://schemas.microsoft.com/office/drawing/2014/main" id="{2F8AB4D3-C0CC-0C1E-4825-BAAA765E6E76}"/>
+                  </a:ext>
+                </a:extLst>
+              </p:cNvPr>
+              <p:cNvCxnSpPr>
+                <a:cxnSpLocks/>
+              </p:cNvCxnSpPr>
+              <p:nvPr/>
+            </p:nvCxnSpPr>
+            <p:spPr>
+              <a:xfrm>
+                <a:off x="2201462" y="1244601"/>
+                <a:ext cx="122638" cy="827716"/>
+              </a:xfrm>
+              <a:prstGeom prst="straightConnector1">
+                <a:avLst/>
+              </a:prstGeom>
+              <a:ln w="6350">
+                <a:solidFill>
+                  <a:schemeClr val="bg2">
+                    <a:lumMod val="25000"/>
+                  </a:schemeClr>
+                </a:solidFill>
+                <a:tailEnd type="triangle"/>
+              </a:ln>
+            </p:spPr>
+            <p:style>
+              <a:lnRef idx="1">
+                <a:schemeClr val="accent3"/>
+              </a:lnRef>
+              <a:fillRef idx="0">
+                <a:schemeClr val="accent3"/>
+              </a:fillRef>
+              <a:effectRef idx="0">
+                <a:schemeClr val="accent3"/>
+              </a:effectRef>
+              <a:fontRef idx="minor">
+                <a:schemeClr val="tx1"/>
+              </a:fontRef>
+            </p:style>
+          </p:cxnSp>
+          <p:sp>
+            <p:nvSpPr>
+              <p:cNvPr id="6" name="Rectángulo 5">
+                <a:extLst>
+                  <a:ext uri="{FF2B5EF4-FFF2-40B4-BE49-F238E27FC236}">
+                    <a16:creationId xmlns:a16="http://schemas.microsoft.com/office/drawing/2014/main" id="{FBF1C320-0E1C-4CB3-E69C-BC89C1030E39}"/>
+                  </a:ext>
+                </a:extLst>
+              </p:cNvPr>
+              <p:cNvSpPr/>
+              <p:nvPr/>
+            </p:nvSpPr>
+            <p:spPr>
+              <a:xfrm>
+                <a:off x="1951824" y="1069017"/>
+                <a:ext cx="499276" cy="175584"/>
+              </a:xfrm>
+              <a:prstGeom prst="rect">
+                <a:avLst/>
+              </a:prstGeom>
+              <a:noFill/>
+              <a:ln w="28575">
+                <a:solidFill>
+                  <a:srgbClr val="C00000"/>
+                </a:solidFill>
+              </a:ln>
+            </p:spPr>
+            <p:style>
+              <a:lnRef idx="2">
+                <a:schemeClr val="accent1">
+                  <a:shade val="50000"/>
+                </a:schemeClr>
+              </a:lnRef>
+              <a:fillRef idx="1">
+                <a:schemeClr val="accent1"/>
+              </a:fillRef>
+              <a:effectRef idx="0">
+                <a:schemeClr val="accent1"/>
+              </a:effectRef>
+              <a:fontRef idx="minor">
+                <a:schemeClr val="lt1"/>
+              </a:fontRef>
+            </p:style>
+            <p:txBody>
+              <a:bodyPr rtlCol="0" anchor="ctr"/>
+              <a:lstStyle/>
+              <a:p>
+                <a:pPr algn="ctr"/>
+                <a:endParaRPr lang="en-US"/>
+              </a:p>
+            </p:txBody>
+          </p:sp>
+          <p:sp>
+            <p:nvSpPr>
+              <p:cNvPr id="7" name="Rectángulo 6">
+                <a:extLst>
+                  <a:ext uri="{FF2B5EF4-FFF2-40B4-BE49-F238E27FC236}">
+                    <a16:creationId xmlns:a16="http://schemas.microsoft.com/office/drawing/2014/main" id="{B8A55C2B-64F7-18DC-C1CC-DC5A00A1585F}"/>
+                  </a:ext>
+                </a:extLst>
+              </p:cNvPr>
+              <p:cNvSpPr/>
+              <p:nvPr/>
+            </p:nvSpPr>
+            <p:spPr>
+              <a:xfrm>
+                <a:off x="1989924" y="2072317"/>
+                <a:ext cx="2201076" cy="175584"/>
+              </a:xfrm>
+              <a:prstGeom prst="rect">
+                <a:avLst/>
+              </a:prstGeom>
+              <a:noFill/>
+              <a:ln w="28575">
+                <a:solidFill>
+                  <a:srgbClr val="C00000"/>
+                </a:solidFill>
+              </a:ln>
+            </p:spPr>
+            <p:style>
+              <a:lnRef idx="2">
+                <a:schemeClr val="accent1">
+                  <a:shade val="50000"/>
+                </a:schemeClr>
+              </a:lnRef>
+              <a:fillRef idx="1">
+                <a:schemeClr val="accent1"/>
+              </a:fillRef>
+              <a:effectRef idx="0">
+                <a:schemeClr val="accent1"/>
+              </a:effectRef>
+              <a:fontRef idx="minor">
+                <a:schemeClr val="lt1"/>
+              </a:fontRef>
+            </p:style>
+            <p:txBody>
+              <a:bodyPr rtlCol="0" anchor="ctr"/>
+              <a:lstStyle/>
+              <a:p>
+                <a:pPr algn="ctr"/>
+                <a:endParaRPr lang="en-US"/>
+              </a:p>
+            </p:txBody>
+          </p:sp>
+        </p:grpSp>
+        <p:pic>
+          <p:nvPicPr>
+            <p:cNvPr id="18" name="Imagen 17">
+              <a:extLst>
+                <a:ext uri="{FF2B5EF4-FFF2-40B4-BE49-F238E27FC236}">
+                  <a16:creationId xmlns:a16="http://schemas.microsoft.com/office/drawing/2014/main" id="{0BFD3422-1D58-DEA8-33DD-A8A34B598EFC}"/>
+                </a:ext>
+              </a:extLst>
+            </p:cNvPr>
+            <p:cNvPicPr>
+              <a:picLocks noChangeAspect="1"/>
+            </p:cNvPicPr>
+            <p:nvPr/>
+          </p:nvPicPr>
+          <p:blipFill>
+            <a:blip r:embed="rId3"/>
+            <a:stretch>
+              <a:fillRect/>
+            </a:stretch>
+          </p:blipFill>
+          <p:spPr>
+            <a:xfrm>
+              <a:off x="6987790" y="2119220"/>
+              <a:ext cx="4219191" cy="4842250"/>
+            </a:xfrm>
+            <a:prstGeom prst="rect">
+              <a:avLst/>
+            </a:prstGeom>
+          </p:spPr>
+        </p:pic>
+        <p:sp>
+          <p:nvSpPr>
+            <p:cNvPr id="12" name="Rectángulo 11">
+              <a:extLst>
+                <a:ext uri="{FF2B5EF4-FFF2-40B4-BE49-F238E27FC236}">
+                  <a16:creationId xmlns:a16="http://schemas.microsoft.com/office/drawing/2014/main" id="{3986169C-B4E8-5242-55F1-E39B50765394}"/>
+                </a:ext>
+              </a:extLst>
+            </p:cNvPr>
+            <p:cNvSpPr/>
+            <p:nvPr/>
+          </p:nvSpPr>
+          <p:spPr>
+            <a:xfrm>
+              <a:off x="6987790" y="2440616"/>
+              <a:ext cx="3477010" cy="200983"/>
+            </a:xfrm>
+            <a:prstGeom prst="rect">
+              <a:avLst/>
+            </a:prstGeom>
+            <a:noFill/>
+            <a:ln w="28575">
+              <a:solidFill>
+                <a:srgbClr val="C00000"/>
+              </a:solidFill>
+            </a:ln>
+          </p:spPr>
+          <p:style>
+            <a:lnRef idx="2">
+              <a:schemeClr val="accent1">
+                <a:shade val="50000"/>
+              </a:schemeClr>
+            </a:lnRef>
+            <a:fillRef idx="1">
+              <a:schemeClr val="accent1"/>
+            </a:fillRef>
+            <a:effectRef idx="0">
+              <a:schemeClr val="accent1"/>
+            </a:effectRef>
+            <a:fontRef idx="minor">
+              <a:schemeClr val="lt1"/>
+            </a:fontRef>
+          </p:style>
+          <p:txBody>
+            <a:bodyPr rtlCol="0" anchor="ctr"/>
+            <a:lstStyle/>
+            <a:p>
+              <a:pPr algn="ctr"/>
+              <a:endParaRPr lang="en-US"/>
+            </a:p>
+          </p:txBody>
+        </p:sp>
+        <p:cxnSp>
+          <p:nvCxnSpPr>
+            <p:cNvPr id="13" name="Conector recto de flecha 12">
+              <a:extLst>
+                <a:ext uri="{FF2B5EF4-FFF2-40B4-BE49-F238E27FC236}">
+                  <a16:creationId xmlns:a16="http://schemas.microsoft.com/office/drawing/2014/main" id="{59522019-BD90-C68A-81FA-E6B8AB3348AF}"/>
+                </a:ext>
+              </a:extLst>
+            </p:cNvPr>
+            <p:cNvCxnSpPr>
+              <a:cxnSpLocks/>
+              <a:stCxn id="7" idx="3"/>
+              <a:endCxn id="12" idx="1"/>
+            </p:cNvCxnSpPr>
+            <p:nvPr/>
+          </p:nvCxnSpPr>
+          <p:spPr>
+            <a:xfrm>
+              <a:off x="2768600" y="1639409"/>
+              <a:ext cx="4219190" cy="901699"/>
+            </a:xfrm>
+            <a:prstGeom prst="straightConnector1">
+              <a:avLst/>
+            </a:prstGeom>
+            <a:ln w="6350">
+              <a:solidFill>
+                <a:schemeClr val="bg2">
+                  <a:lumMod val="25000"/>
+                </a:schemeClr>
+              </a:solidFill>
+              <a:tailEnd type="triangle"/>
+            </a:ln>
+          </p:spPr>
+          <p:style>
+            <a:lnRef idx="1">
+              <a:schemeClr val="accent3"/>
+            </a:lnRef>
+            <a:fillRef idx="0">
+              <a:schemeClr val="accent3"/>
+            </a:fillRef>
+            <a:effectRef idx="0">
+              <a:schemeClr val="accent3"/>
+            </a:effectRef>
+            <a:fontRef idx="minor">
+              <a:schemeClr val="tx1"/>
+            </a:fontRef>
+          </p:style>
+        </p:cxnSp>
+      </p:grpSp>
+    </p:spTree>
+    <p:extLst>
+      <p:ext uri="{BB962C8B-B14F-4D97-AF65-F5344CB8AC3E}">
+        <p14:creationId xmlns:p14="http://schemas.microsoft.com/office/powerpoint/2010/main" val="2974758000"/>
+      </p:ext>
+    </p:extLst>
+  </p:cSld>
+  <p:clrMapOvr>
+    <a:masterClrMapping/>
+  </p:clrMapOvr>
+</p:sld>
+</file>
+
+<file path=ppt/slides/slide11.xml><?xml version="1.0" encoding="utf-8"?>
+<p:sld xmlns:a="http://schemas.openxmlformats.org/drawingml/2006/main" xmlns:r="http://schemas.openxmlformats.org/officeDocument/2006/relationships" xmlns:p="http://schemas.openxmlformats.org/presentationml/2006/main">
+  <p:cSld>
+    <p:spTree>
+      <p:nvGrpSpPr>
+        <p:cNvPr id="1" name=""/>
+        <p:cNvGrpSpPr/>
+        <p:nvPr/>
+      </p:nvGrpSpPr>
+      <p:grpSpPr>
+        <a:xfrm>
+          <a:off x="0" y="0"/>
+          <a:ext cx="0" cy="0"/>
+          <a:chOff x="0" y="0"/>
+          <a:chExt cx="0" cy="0"/>
+        </a:xfrm>
+      </p:grpSpPr>
       <p:sp>
         <p:nvSpPr>
           <p:cNvPr id="4" name="CuadroTexto 3">
@@ -3830,62 +4348,165 @@
           </a:fontRef>
         </p:style>
       </p:cxnSp>
-      <p:sp>
-        <p:nvSpPr>
-          <p:cNvPr id="6" name="Rectángulo 5">
-            <a:extLst>
-              <a:ext uri="{FF2B5EF4-FFF2-40B4-BE49-F238E27FC236}">
-                <a16:creationId xmlns:a16="http://schemas.microsoft.com/office/drawing/2014/main" id="{FBF1C320-0E1C-4CB3-E69C-BC89C1030E39}"/>
-              </a:ext>
-            </a:extLst>
-          </p:cNvPr>
-          <p:cNvSpPr/>
+      <p:grpSp>
+        <p:nvGrpSpPr>
+          <p:cNvPr id="13" name="Grupo 12">
+            <a:extLst>
+              <a:ext uri="{FF2B5EF4-FFF2-40B4-BE49-F238E27FC236}">
+                <a16:creationId xmlns:a16="http://schemas.microsoft.com/office/drawing/2014/main" id="{837BB51D-952B-5F81-CCC6-F4B7E372EC55}"/>
+              </a:ext>
+            </a:extLst>
+          </p:cNvPr>
+          <p:cNvGrpSpPr/>
           <p:nvPr/>
-        </p:nvSpPr>
-        <p:spPr>
+        </p:nvGrpSpPr>
+        <p:grpSpPr>
           <a:xfrm>
-            <a:off x="834224" y="1838199"/>
-            <a:ext cx="1167296" cy="307777"/>
+            <a:off x="3138487" y="0"/>
+            <a:ext cx="5915026" cy="6858000"/>
+            <a:chOff x="3138487" y="0"/>
+            <a:chExt cx="5915026" cy="6858000"/>
           </a:xfrm>
-          <a:prstGeom prst="rect">
-            <a:avLst/>
-          </a:prstGeom>
-          <a:noFill/>
-          <a:ln w="28575">
-            <a:solidFill>
-              <a:srgbClr val="C00000"/>
-            </a:solidFill>
-          </a:ln>
-        </p:spPr>
-        <p:style>
-          <a:lnRef idx="2">
-            <a:schemeClr val="accent1">
-              <a:shade val="50000"/>
-            </a:schemeClr>
-          </a:lnRef>
-          <a:fillRef idx="1">
-            <a:schemeClr val="accent1"/>
-          </a:fillRef>
-          <a:effectRef idx="0">
-            <a:schemeClr val="accent1"/>
-          </a:effectRef>
-          <a:fontRef idx="minor">
-            <a:schemeClr val="lt1"/>
-          </a:fontRef>
-        </p:style>
-        <p:txBody>
-          <a:bodyPr rtlCol="0" anchor="ctr"/>
-          <a:lstStyle/>
-          <a:p>
-            <a:pPr algn="ctr"/>
-            <a:endParaRPr lang="en-US"/>
-          </a:p>
-        </p:txBody>
-      </p:sp>
+        </p:grpSpPr>
+        <p:pic>
+          <p:nvPicPr>
+            <p:cNvPr id="12" name="Imagen 11">
+              <a:extLst>
+                <a:ext uri="{FF2B5EF4-FFF2-40B4-BE49-F238E27FC236}">
+                  <a16:creationId xmlns:a16="http://schemas.microsoft.com/office/drawing/2014/main" id="{09497A06-1305-B481-4AB6-34888A12F109}"/>
+                </a:ext>
+              </a:extLst>
+            </p:cNvPr>
+            <p:cNvPicPr>
+              <a:picLocks noChangeAspect="1"/>
+            </p:cNvPicPr>
+            <p:nvPr/>
+          </p:nvPicPr>
+          <p:blipFill>
+            <a:blip r:embed="rId2"/>
+            <a:stretch>
+              <a:fillRect/>
+            </a:stretch>
+          </p:blipFill>
+          <p:spPr>
+            <a:xfrm>
+              <a:off x="3138487" y="0"/>
+              <a:ext cx="5915026" cy="6858000"/>
+            </a:xfrm>
+            <a:prstGeom prst="rect">
+              <a:avLst/>
+            </a:prstGeom>
+          </p:spPr>
+        </p:pic>
+        <p:sp>
+          <p:nvSpPr>
+            <p:cNvPr id="6" name="Rectángulo 5">
+              <a:extLst>
+                <a:ext uri="{FF2B5EF4-FFF2-40B4-BE49-F238E27FC236}">
+                  <a16:creationId xmlns:a16="http://schemas.microsoft.com/office/drawing/2014/main" id="{FBF1C320-0E1C-4CB3-E69C-BC89C1030E39}"/>
+                </a:ext>
+              </a:extLst>
+            </p:cNvPr>
+            <p:cNvSpPr/>
+            <p:nvPr/>
+          </p:nvSpPr>
+          <p:spPr>
+            <a:xfrm>
+              <a:off x="3151186" y="773939"/>
+              <a:ext cx="1827213" cy="267461"/>
+            </a:xfrm>
+            <a:prstGeom prst="rect">
+              <a:avLst/>
+            </a:prstGeom>
+            <a:noFill/>
+            <a:ln w="28575">
+              <a:solidFill>
+                <a:srgbClr val="C00000"/>
+              </a:solidFill>
+            </a:ln>
+          </p:spPr>
+          <p:style>
+            <a:lnRef idx="2">
+              <a:schemeClr val="accent1">
+                <a:shade val="50000"/>
+              </a:schemeClr>
+            </a:lnRef>
+            <a:fillRef idx="1">
+              <a:schemeClr val="accent1"/>
+            </a:fillRef>
+            <a:effectRef idx="0">
+              <a:schemeClr val="accent1"/>
+            </a:effectRef>
+            <a:fontRef idx="minor">
+              <a:schemeClr val="lt1"/>
+            </a:fontRef>
+          </p:style>
+          <p:txBody>
+            <a:bodyPr rtlCol="0" anchor="ctr"/>
+            <a:lstStyle/>
+            <a:p>
+              <a:pPr algn="ctr"/>
+              <a:endParaRPr lang="en-US"/>
+            </a:p>
+          </p:txBody>
+        </p:sp>
+        <p:sp>
+          <p:nvSpPr>
+            <p:cNvPr id="7" name="Rectángulo 6">
+              <a:extLst>
+                <a:ext uri="{FF2B5EF4-FFF2-40B4-BE49-F238E27FC236}">
+                  <a16:creationId xmlns:a16="http://schemas.microsoft.com/office/drawing/2014/main" id="{78D1EA07-A857-F6E2-F041-A510C25B6DCD}"/>
+                </a:ext>
+              </a:extLst>
+            </p:cNvPr>
+            <p:cNvSpPr/>
+            <p:nvPr/>
+          </p:nvSpPr>
+          <p:spPr>
+            <a:xfrm>
+              <a:off x="3138487" y="2109214"/>
+              <a:ext cx="2119313" cy="305561"/>
+            </a:xfrm>
+            <a:prstGeom prst="rect">
+              <a:avLst/>
+            </a:prstGeom>
+            <a:noFill/>
+            <a:ln w="28575">
+              <a:solidFill>
+                <a:srgbClr val="C00000"/>
+              </a:solidFill>
+            </a:ln>
+          </p:spPr>
+          <p:style>
+            <a:lnRef idx="2">
+              <a:schemeClr val="accent1">
+                <a:shade val="50000"/>
+              </a:schemeClr>
+            </a:lnRef>
+            <a:fillRef idx="1">
+              <a:schemeClr val="accent1"/>
+            </a:fillRef>
+            <a:effectRef idx="0">
+              <a:schemeClr val="accent1"/>
+            </a:effectRef>
+            <a:fontRef idx="minor">
+              <a:schemeClr val="lt1"/>
+            </a:fontRef>
+          </p:style>
+          <p:txBody>
+            <a:bodyPr rtlCol="0" anchor="ctr"/>
+            <a:lstStyle/>
+            <a:p>
+              <a:pPr algn="ctr"/>
+              <a:endParaRPr lang="en-US"/>
+            </a:p>
+          </p:txBody>
+        </p:sp>
+      </p:grpSp>
     </p:spTree>
     <p:extLst>
       <p:ext uri="{BB962C8B-B14F-4D97-AF65-F5344CB8AC3E}">
-        <p14:creationId xmlns:p14="http://schemas.microsoft.com/office/powerpoint/2010/main" val="4269941715"/>
+        <p14:creationId xmlns:p14="http://schemas.microsoft.com/office/powerpoint/2010/main" val="1877789181"/>
       </p:ext>
     </p:extLst>
   </p:cSld>
@@ -3895,7 +4516,7 @@
 </p:sld>
 </file>
 
-<file path=ppt/slides/slide10.xml><?xml version="1.0" encoding="utf-8"?>
+<file path=ppt/slides/slide12.xml><?xml version="1.0" encoding="utf-8"?>
 <p:sld xmlns:a="http://schemas.openxmlformats.org/drawingml/2006/main" xmlns:r="http://schemas.openxmlformats.org/officeDocument/2006/relationships" xmlns:p="http://schemas.openxmlformats.org/presentationml/2006/main">
   <p:cSld>
     <p:spTree>
@@ -4031,58 +4652,109 @@
           </a:fontRef>
         </p:style>
       </p:cxnSp>
-      <p:sp>
-        <p:nvSpPr>
-          <p:cNvPr id="6" name="Rectángulo 5">
-            <a:extLst>
-              <a:ext uri="{FF2B5EF4-FFF2-40B4-BE49-F238E27FC236}">
-                <a16:creationId xmlns:a16="http://schemas.microsoft.com/office/drawing/2014/main" id="{FBF1C320-0E1C-4CB3-E69C-BC89C1030E39}"/>
-              </a:ext>
-            </a:extLst>
-          </p:cNvPr>
-          <p:cNvSpPr/>
+      <p:grpSp>
+        <p:nvGrpSpPr>
+          <p:cNvPr id="8" name="Grupo 7">
+            <a:extLst>
+              <a:ext uri="{FF2B5EF4-FFF2-40B4-BE49-F238E27FC236}">
+                <a16:creationId xmlns:a16="http://schemas.microsoft.com/office/drawing/2014/main" id="{3F62B52F-381D-6D14-2348-6D57D636B4A4}"/>
+              </a:ext>
+            </a:extLst>
+          </p:cNvPr>
+          <p:cNvGrpSpPr/>
           <p:nvPr/>
-        </p:nvSpPr>
-        <p:spPr>
+        </p:nvGrpSpPr>
+        <p:grpSpPr>
           <a:xfrm>
-            <a:off x="834224" y="1838199"/>
-            <a:ext cx="1167296" cy="307777"/>
+            <a:off x="3138487" y="0"/>
+            <a:ext cx="5915026" cy="6858000"/>
+            <a:chOff x="3138487" y="0"/>
+            <a:chExt cx="5915026" cy="6858000"/>
           </a:xfrm>
-          <a:prstGeom prst="rect">
-            <a:avLst/>
-          </a:prstGeom>
-          <a:noFill/>
-          <a:ln w="28575">
-            <a:solidFill>
-              <a:srgbClr val="C00000"/>
-            </a:solidFill>
-          </a:ln>
-        </p:spPr>
-        <p:style>
-          <a:lnRef idx="2">
-            <a:schemeClr val="accent1">
-              <a:shade val="50000"/>
-            </a:schemeClr>
-          </a:lnRef>
-          <a:fillRef idx="1">
-            <a:schemeClr val="accent1"/>
-          </a:fillRef>
-          <a:effectRef idx="0">
-            <a:schemeClr val="accent1"/>
-          </a:effectRef>
-          <a:fontRef idx="minor">
-            <a:schemeClr val="lt1"/>
-          </a:fontRef>
-        </p:style>
-        <p:txBody>
-          <a:bodyPr rtlCol="0" anchor="ctr"/>
-          <a:lstStyle/>
-          <a:p>
-            <a:pPr algn="ctr"/>
-            <a:endParaRPr lang="en-US"/>
-          </a:p>
-        </p:txBody>
-      </p:sp>
+        </p:grpSpPr>
+        <p:pic>
+          <p:nvPicPr>
+            <p:cNvPr id="7" name="Imagen 6">
+              <a:extLst>
+                <a:ext uri="{FF2B5EF4-FFF2-40B4-BE49-F238E27FC236}">
+                  <a16:creationId xmlns:a16="http://schemas.microsoft.com/office/drawing/2014/main" id="{95BF3615-B1FC-8382-46DA-331239660DE0}"/>
+                </a:ext>
+              </a:extLst>
+            </p:cNvPr>
+            <p:cNvPicPr>
+              <a:picLocks noChangeAspect="1"/>
+            </p:cNvPicPr>
+            <p:nvPr/>
+          </p:nvPicPr>
+          <p:blipFill>
+            <a:blip r:embed="rId2"/>
+            <a:stretch>
+              <a:fillRect/>
+            </a:stretch>
+          </p:blipFill>
+          <p:spPr>
+            <a:xfrm>
+              <a:off x="3138487" y="0"/>
+              <a:ext cx="5915026" cy="6858000"/>
+            </a:xfrm>
+            <a:prstGeom prst="rect">
+              <a:avLst/>
+            </a:prstGeom>
+          </p:spPr>
+        </p:pic>
+        <p:sp>
+          <p:nvSpPr>
+            <p:cNvPr id="6" name="Rectángulo 5">
+              <a:extLst>
+                <a:ext uri="{FF2B5EF4-FFF2-40B4-BE49-F238E27FC236}">
+                  <a16:creationId xmlns:a16="http://schemas.microsoft.com/office/drawing/2014/main" id="{FBF1C320-0E1C-4CB3-E69C-BC89C1030E39}"/>
+                </a:ext>
+              </a:extLst>
+            </p:cNvPr>
+            <p:cNvSpPr/>
+            <p:nvPr/>
+          </p:nvSpPr>
+          <p:spPr>
+            <a:xfrm>
+              <a:off x="3209606" y="1190499"/>
+              <a:ext cx="5604193" cy="701801"/>
+            </a:xfrm>
+            <a:prstGeom prst="rect">
+              <a:avLst/>
+            </a:prstGeom>
+            <a:noFill/>
+            <a:ln w="28575">
+              <a:solidFill>
+                <a:srgbClr val="C00000"/>
+              </a:solidFill>
+            </a:ln>
+          </p:spPr>
+          <p:style>
+            <a:lnRef idx="2">
+              <a:schemeClr val="accent1">
+                <a:shade val="50000"/>
+              </a:schemeClr>
+            </a:lnRef>
+            <a:fillRef idx="1">
+              <a:schemeClr val="accent1"/>
+            </a:fillRef>
+            <a:effectRef idx="0">
+              <a:schemeClr val="accent1"/>
+            </a:effectRef>
+            <a:fontRef idx="minor">
+              <a:schemeClr val="lt1"/>
+            </a:fontRef>
+          </p:style>
+          <p:txBody>
+            <a:bodyPr rtlCol="0" anchor="ctr"/>
+            <a:lstStyle/>
+            <a:p>
+              <a:pPr algn="ctr"/>
+              <a:endParaRPr lang="en-US"/>
+            </a:p>
+          </p:txBody>
+        </p:sp>
+      </p:grpSp>
     </p:spTree>
     <p:extLst>
       <p:ext uri="{BB962C8B-B14F-4D97-AF65-F5344CB8AC3E}">
@@ -4096,7 +4768,7 @@
 </p:sld>
 </file>
 
-<file path=ppt/slides/slide11.xml><?xml version="1.0" encoding="utf-8"?>
+<file path=ppt/slides/slide13.xml><?xml version="1.0" encoding="utf-8"?>
 <p:sld xmlns:a="http://schemas.openxmlformats.org/drawingml/2006/main" xmlns:r="http://schemas.openxmlformats.org/officeDocument/2006/relationships" xmlns:p="http://schemas.openxmlformats.org/presentationml/2006/main">
   <p:cSld>
     <p:spTree>
@@ -4232,58 +4904,109 @@
           </a:fontRef>
         </p:style>
       </p:cxnSp>
-      <p:sp>
-        <p:nvSpPr>
-          <p:cNvPr id="6" name="Rectángulo 5">
-            <a:extLst>
-              <a:ext uri="{FF2B5EF4-FFF2-40B4-BE49-F238E27FC236}">
-                <a16:creationId xmlns:a16="http://schemas.microsoft.com/office/drawing/2014/main" id="{FBF1C320-0E1C-4CB3-E69C-BC89C1030E39}"/>
-              </a:ext>
-            </a:extLst>
-          </p:cNvPr>
-          <p:cNvSpPr/>
+      <p:grpSp>
+        <p:nvGrpSpPr>
+          <p:cNvPr id="7" name="Grupo 6">
+            <a:extLst>
+              <a:ext uri="{FF2B5EF4-FFF2-40B4-BE49-F238E27FC236}">
+                <a16:creationId xmlns:a16="http://schemas.microsoft.com/office/drawing/2014/main" id="{5597432F-24D8-FC7A-729A-591D0F62214B}"/>
+              </a:ext>
+            </a:extLst>
+          </p:cNvPr>
+          <p:cNvGrpSpPr/>
           <p:nvPr/>
-        </p:nvSpPr>
-        <p:spPr>
+        </p:nvGrpSpPr>
+        <p:grpSpPr>
           <a:xfrm>
-            <a:off x="834224" y="1838199"/>
-            <a:ext cx="1167296" cy="307777"/>
+            <a:off x="3153483" y="0"/>
+            <a:ext cx="5885033" cy="6858000"/>
+            <a:chOff x="3153483" y="0"/>
+            <a:chExt cx="5885033" cy="6858000"/>
           </a:xfrm>
-          <a:prstGeom prst="rect">
-            <a:avLst/>
-          </a:prstGeom>
-          <a:noFill/>
-          <a:ln w="28575">
-            <a:solidFill>
-              <a:srgbClr val="C00000"/>
-            </a:solidFill>
-          </a:ln>
-        </p:spPr>
-        <p:style>
-          <a:lnRef idx="2">
-            <a:schemeClr val="accent1">
-              <a:shade val="50000"/>
-            </a:schemeClr>
-          </a:lnRef>
-          <a:fillRef idx="1">
-            <a:schemeClr val="accent1"/>
-          </a:fillRef>
-          <a:effectRef idx="0">
-            <a:schemeClr val="accent1"/>
-          </a:effectRef>
-          <a:fontRef idx="minor">
-            <a:schemeClr val="lt1"/>
-          </a:fontRef>
-        </p:style>
-        <p:txBody>
-          <a:bodyPr rtlCol="0" anchor="ctr"/>
-          <a:lstStyle/>
-          <a:p>
-            <a:pPr algn="ctr"/>
-            <a:endParaRPr lang="en-US"/>
-          </a:p>
-        </p:txBody>
-      </p:sp>
+        </p:grpSpPr>
+        <p:pic>
+          <p:nvPicPr>
+            <p:cNvPr id="3" name="Imagen 2">
+              <a:extLst>
+                <a:ext uri="{FF2B5EF4-FFF2-40B4-BE49-F238E27FC236}">
+                  <a16:creationId xmlns:a16="http://schemas.microsoft.com/office/drawing/2014/main" id="{6B148611-94B5-F598-3665-C8BBFE4D1FD4}"/>
+                </a:ext>
+              </a:extLst>
+            </p:cNvPr>
+            <p:cNvPicPr>
+              <a:picLocks noChangeAspect="1"/>
+            </p:cNvPicPr>
+            <p:nvPr/>
+          </p:nvPicPr>
+          <p:blipFill>
+            <a:blip r:embed="rId2"/>
+            <a:stretch>
+              <a:fillRect/>
+            </a:stretch>
+          </p:blipFill>
+          <p:spPr>
+            <a:xfrm>
+              <a:off x="3153483" y="0"/>
+              <a:ext cx="5885033" cy="6858000"/>
+            </a:xfrm>
+            <a:prstGeom prst="rect">
+              <a:avLst/>
+            </a:prstGeom>
+          </p:spPr>
+        </p:pic>
+        <p:sp>
+          <p:nvSpPr>
+            <p:cNvPr id="6" name="Rectángulo 5">
+              <a:extLst>
+                <a:ext uri="{FF2B5EF4-FFF2-40B4-BE49-F238E27FC236}">
+                  <a16:creationId xmlns:a16="http://schemas.microsoft.com/office/drawing/2014/main" id="{FBF1C320-0E1C-4CB3-E69C-BC89C1030E39}"/>
+                </a:ext>
+              </a:extLst>
+            </p:cNvPr>
+            <p:cNvSpPr/>
+            <p:nvPr/>
+          </p:nvSpPr>
+          <p:spPr>
+            <a:xfrm>
+              <a:off x="3285324" y="1495299"/>
+              <a:ext cx="5312576" cy="346201"/>
+            </a:xfrm>
+            <a:prstGeom prst="rect">
+              <a:avLst/>
+            </a:prstGeom>
+            <a:noFill/>
+            <a:ln w="28575">
+              <a:solidFill>
+                <a:srgbClr val="C00000"/>
+              </a:solidFill>
+            </a:ln>
+          </p:spPr>
+          <p:style>
+            <a:lnRef idx="2">
+              <a:schemeClr val="accent1">
+                <a:shade val="50000"/>
+              </a:schemeClr>
+            </a:lnRef>
+            <a:fillRef idx="1">
+              <a:schemeClr val="accent1"/>
+            </a:fillRef>
+            <a:effectRef idx="0">
+              <a:schemeClr val="accent1"/>
+            </a:effectRef>
+            <a:fontRef idx="minor">
+              <a:schemeClr val="lt1"/>
+            </a:fontRef>
+          </p:style>
+          <p:txBody>
+            <a:bodyPr rtlCol="0" anchor="ctr"/>
+            <a:lstStyle/>
+            <a:p>
+              <a:pPr algn="ctr"/>
+              <a:endParaRPr lang="en-US"/>
+            </a:p>
+          </p:txBody>
+        </p:sp>
+      </p:grpSp>
     </p:spTree>
     <p:extLst>
       <p:ext uri="{BB962C8B-B14F-4D97-AF65-F5344CB8AC3E}">
@@ -4297,7 +5020,7 @@
 </p:sld>
 </file>
 
-<file path=ppt/slides/slide12.xml><?xml version="1.0" encoding="utf-8"?>
+<file path=ppt/slides/slide14.xml><?xml version="1.0" encoding="utf-8"?>
 <p:sld xmlns:a="http://schemas.openxmlformats.org/drawingml/2006/main" xmlns:r="http://schemas.openxmlformats.org/officeDocument/2006/relationships" xmlns:p="http://schemas.openxmlformats.org/presentationml/2006/main">
   <p:cSld>
     <p:spTree>
@@ -4314,181 +5037,619 @@
           <a:chExt cx="0" cy="0"/>
         </a:xfrm>
       </p:grpSpPr>
-      <p:sp>
-        <p:nvSpPr>
-          <p:cNvPr id="4" name="CuadroTexto 3">
-            <a:extLst>
-              <a:ext uri="{FF2B5EF4-FFF2-40B4-BE49-F238E27FC236}">
-                <a16:creationId xmlns:a16="http://schemas.microsoft.com/office/drawing/2014/main" id="{D4B964EE-EF62-18F3-6FF7-A9B8F3782AF8}"/>
-              </a:ext>
-            </a:extLst>
-          </p:cNvPr>
-          <p:cNvSpPr txBox="1"/>
+      <p:grpSp>
+        <p:nvGrpSpPr>
+          <p:cNvPr id="19" name="Grupo 18">
+            <a:extLst>
+              <a:ext uri="{FF2B5EF4-FFF2-40B4-BE49-F238E27FC236}">
+                <a16:creationId xmlns:a16="http://schemas.microsoft.com/office/drawing/2014/main" id="{1BB2809F-3AB2-45B2-E2E7-3569C9E9A3C0}"/>
+              </a:ext>
+            </a:extLst>
+          </p:cNvPr>
+          <p:cNvGrpSpPr/>
           <p:nvPr/>
-        </p:nvSpPr>
-        <p:spPr>
+        </p:nvGrpSpPr>
+        <p:grpSpPr>
           <a:xfrm>
-            <a:off x="496199" y="607351"/>
-            <a:ext cx="1666997" cy="307777"/>
+            <a:off x="635000" y="322528"/>
+            <a:ext cx="11036722" cy="6438634"/>
+            <a:chOff x="635000" y="322528"/>
+            <a:chExt cx="11036722" cy="6438634"/>
           </a:xfrm>
-          <a:prstGeom prst="rect">
-            <a:avLst/>
-          </a:prstGeom>
-          <a:noFill/>
-        </p:spPr>
-        <p:txBody>
-          <a:bodyPr wrap="square" rtlCol="0">
-            <a:spAutoFit/>
-          </a:bodyPr>
-          <a:lstStyle>
-            <a:defPPr>
-              <a:defRPr lang="en-US"/>
-            </a:defPPr>
-            <a:lvl1pPr algn="ctr">
-              <a:defRPr sz="1100" b="1">
-                <a:solidFill>
-                  <a:schemeClr val="bg2">
-                    <a:lumMod val="25000"/>
-                  </a:schemeClr>
-                </a:solidFill>
-                <a:latin typeface="Segoe UI Light" panose="020B0502040204020203" pitchFamily="34" charset="0"/>
-                <a:cs typeface="Segoe UI Light" panose="020B0502040204020203" pitchFamily="34" charset="0"/>
-              </a:defRPr>
-            </a:lvl1pPr>
-          </a:lstStyle>
-          <a:p>
-            <a:r>
-              <a:rPr lang="es-VE" sz="1400" dirty="0" err="1">
-                <a:solidFill>
-                  <a:schemeClr val="bg2">
-                    <a:lumMod val="10000"/>
-                  </a:schemeClr>
-                </a:solidFill>
-              </a:rPr>
-              <a:t>Sediment</a:t>
-            </a:r>
-            <a:r>
-              <a:rPr lang="es-VE" sz="1400" dirty="0">
-                <a:solidFill>
-                  <a:schemeClr val="bg2">
-                    <a:lumMod val="10000"/>
-                  </a:schemeClr>
-                </a:solidFill>
-              </a:rPr>
-              <a:t> Data</a:t>
-            </a:r>
-            <a:endParaRPr lang="es-VE" sz="1200" baseline="-25000" dirty="0">
+        </p:grpSpPr>
+        <p:pic>
+          <p:nvPicPr>
+            <p:cNvPr id="3" name="Imagen 2">
+              <a:extLst>
+                <a:ext uri="{FF2B5EF4-FFF2-40B4-BE49-F238E27FC236}">
+                  <a16:creationId xmlns:a16="http://schemas.microsoft.com/office/drawing/2014/main" id="{288C3FCF-D79F-0A5D-E12F-A11DC8507D64}"/>
+                </a:ext>
+              </a:extLst>
+            </p:cNvPr>
+            <p:cNvPicPr>
+              <a:picLocks noChangeAspect="1"/>
+            </p:cNvPicPr>
+            <p:nvPr/>
+          </p:nvPicPr>
+          <p:blipFill>
+            <a:blip r:embed="rId2"/>
+            <a:stretch>
+              <a:fillRect/>
+            </a:stretch>
+          </p:blipFill>
+          <p:spPr>
+            <a:xfrm>
+              <a:off x="3684561" y="322528"/>
+              <a:ext cx="7987161" cy="4249472"/>
+            </a:xfrm>
+            <a:prstGeom prst="rect">
+              <a:avLst/>
+            </a:prstGeom>
+          </p:spPr>
+        </p:pic>
+        <p:pic>
+          <p:nvPicPr>
+            <p:cNvPr id="14" name="Imagen 13">
+              <a:extLst>
+                <a:ext uri="{FF2B5EF4-FFF2-40B4-BE49-F238E27FC236}">
+                  <a16:creationId xmlns:a16="http://schemas.microsoft.com/office/drawing/2014/main" id="{01CE909F-0129-F5B3-BD11-921E2C536F21}"/>
+                </a:ext>
+              </a:extLst>
+            </p:cNvPr>
+            <p:cNvPicPr>
+              <a:picLocks noChangeAspect="1"/>
+            </p:cNvPicPr>
+            <p:nvPr/>
+          </p:nvPicPr>
+          <p:blipFill>
+            <a:blip r:embed="rId3"/>
+            <a:stretch>
+              <a:fillRect/>
+            </a:stretch>
+          </p:blipFill>
+          <p:spPr>
+            <a:xfrm>
+              <a:off x="635000" y="3137120"/>
+              <a:ext cx="8487749" cy="3624042"/>
+            </a:xfrm>
+            <a:prstGeom prst="rect">
+              <a:avLst/>
+            </a:prstGeom>
+          </p:spPr>
+        </p:pic>
+        <p:sp>
+          <p:nvSpPr>
+            <p:cNvPr id="6" name="Rectángulo 5">
+              <a:extLst>
+                <a:ext uri="{FF2B5EF4-FFF2-40B4-BE49-F238E27FC236}">
+                  <a16:creationId xmlns:a16="http://schemas.microsoft.com/office/drawing/2014/main" id="{FBF1C320-0E1C-4CB3-E69C-BC89C1030E39}"/>
+                </a:ext>
+              </a:extLst>
+            </p:cNvPr>
+            <p:cNvSpPr/>
+            <p:nvPr/>
+          </p:nvSpPr>
+          <p:spPr>
+            <a:xfrm>
+              <a:off x="6904824" y="915128"/>
+              <a:ext cx="702476" cy="494572"/>
+            </a:xfrm>
+            <a:prstGeom prst="rect">
+              <a:avLst/>
+            </a:prstGeom>
+            <a:noFill/>
+            <a:ln w="28575">
+              <a:solidFill>
+                <a:srgbClr val="C00000"/>
+              </a:solidFill>
+            </a:ln>
+          </p:spPr>
+          <p:style>
+            <a:lnRef idx="2">
+              <a:schemeClr val="accent1">
+                <a:shade val="50000"/>
+              </a:schemeClr>
+            </a:lnRef>
+            <a:fillRef idx="1">
+              <a:schemeClr val="accent1"/>
+            </a:fillRef>
+            <a:effectRef idx="0">
+              <a:schemeClr val="accent1"/>
+            </a:effectRef>
+            <a:fontRef idx="minor">
+              <a:schemeClr val="lt1"/>
+            </a:fontRef>
+          </p:style>
+          <p:txBody>
+            <a:bodyPr rtlCol="0" anchor="ctr"/>
+            <a:lstStyle/>
+            <a:p>
+              <a:pPr algn="ctr"/>
+              <a:endParaRPr lang="en-US"/>
+            </a:p>
+          </p:txBody>
+        </p:sp>
+        <p:sp>
+          <p:nvSpPr>
+            <p:cNvPr id="9" name="Rectángulo 8">
+              <a:extLst>
+                <a:ext uri="{FF2B5EF4-FFF2-40B4-BE49-F238E27FC236}">
+                  <a16:creationId xmlns:a16="http://schemas.microsoft.com/office/drawing/2014/main" id="{80CB39C5-3353-04E6-EC96-5D82C832F8B6}"/>
+                </a:ext>
+              </a:extLst>
+            </p:cNvPr>
+            <p:cNvSpPr/>
+            <p:nvPr/>
+          </p:nvSpPr>
+          <p:spPr>
+            <a:xfrm>
+              <a:off x="7607300" y="915128"/>
+              <a:ext cx="1016000" cy="494572"/>
+            </a:xfrm>
+            <a:prstGeom prst="rect">
+              <a:avLst/>
+            </a:prstGeom>
+            <a:noFill/>
+            <a:ln w="28575">
+              <a:solidFill>
+                <a:srgbClr val="C00000"/>
+              </a:solidFill>
+            </a:ln>
+          </p:spPr>
+          <p:style>
+            <a:lnRef idx="2">
+              <a:schemeClr val="accent1">
+                <a:shade val="50000"/>
+              </a:schemeClr>
+            </a:lnRef>
+            <a:fillRef idx="1">
+              <a:schemeClr val="accent1"/>
+            </a:fillRef>
+            <a:effectRef idx="0">
+              <a:schemeClr val="accent1"/>
+            </a:effectRef>
+            <a:fontRef idx="minor">
+              <a:schemeClr val="lt1"/>
+            </a:fontRef>
+          </p:style>
+          <p:txBody>
+            <a:bodyPr rtlCol="0" anchor="ctr"/>
+            <a:lstStyle/>
+            <a:p>
+              <a:pPr algn="ctr"/>
+              <a:endParaRPr lang="en-US"/>
+            </a:p>
+          </p:txBody>
+        </p:sp>
+        <p:sp>
+          <p:nvSpPr>
+            <p:cNvPr id="10" name="Rectángulo 9">
+              <a:extLst>
+                <a:ext uri="{FF2B5EF4-FFF2-40B4-BE49-F238E27FC236}">
+                  <a16:creationId xmlns:a16="http://schemas.microsoft.com/office/drawing/2014/main" id="{93FED047-2DF8-6E17-F33E-38223B42D26B}"/>
+                </a:ext>
+              </a:extLst>
+            </p:cNvPr>
+            <p:cNvSpPr/>
+            <p:nvPr/>
+          </p:nvSpPr>
+          <p:spPr>
+            <a:xfrm>
+              <a:off x="3382989" y="3471862"/>
+              <a:ext cx="484161" cy="3157537"/>
+            </a:xfrm>
+            <a:prstGeom prst="rect">
+              <a:avLst/>
+            </a:prstGeom>
+            <a:noFill/>
+            <a:ln w="28575">
+              <a:solidFill>
+                <a:srgbClr val="C00000"/>
+              </a:solidFill>
+            </a:ln>
+          </p:spPr>
+          <p:style>
+            <a:lnRef idx="2">
+              <a:schemeClr val="accent1">
+                <a:shade val="50000"/>
+              </a:schemeClr>
+            </a:lnRef>
+            <a:fillRef idx="1">
+              <a:schemeClr val="accent1"/>
+            </a:fillRef>
+            <a:effectRef idx="0">
+              <a:schemeClr val="accent1"/>
+            </a:effectRef>
+            <a:fontRef idx="minor">
+              <a:schemeClr val="lt1"/>
+            </a:fontRef>
+          </p:style>
+          <p:txBody>
+            <a:bodyPr rtlCol="0" anchor="ctr"/>
+            <a:lstStyle/>
+            <a:p>
+              <a:pPr algn="ctr"/>
+              <a:r>
+                <a:rPr lang="en-US" dirty="0"/>
+                <a:t> </a:t>
+              </a:r>
+            </a:p>
+          </p:txBody>
+        </p:sp>
+        <p:sp>
+          <p:nvSpPr>
+            <p:cNvPr id="11" name="Rectángulo 10">
+              <a:extLst>
+                <a:ext uri="{FF2B5EF4-FFF2-40B4-BE49-F238E27FC236}">
+                  <a16:creationId xmlns:a16="http://schemas.microsoft.com/office/drawing/2014/main" id="{EF6C787C-1013-1FF2-F612-948BCD4C8FA9}"/>
+                </a:ext>
+              </a:extLst>
+            </p:cNvPr>
+            <p:cNvSpPr/>
+            <p:nvPr/>
+          </p:nvSpPr>
+          <p:spPr>
+            <a:xfrm>
+              <a:off x="5241978" y="3478212"/>
+              <a:ext cx="484161" cy="3157538"/>
+            </a:xfrm>
+            <a:prstGeom prst="rect">
+              <a:avLst/>
+            </a:prstGeom>
+            <a:noFill/>
+            <a:ln w="28575">
+              <a:solidFill>
+                <a:srgbClr val="C00000"/>
+              </a:solidFill>
+            </a:ln>
+          </p:spPr>
+          <p:style>
+            <a:lnRef idx="2">
+              <a:schemeClr val="accent1">
+                <a:shade val="50000"/>
+              </a:schemeClr>
+            </a:lnRef>
+            <a:fillRef idx="1">
+              <a:schemeClr val="accent1"/>
+            </a:fillRef>
+            <a:effectRef idx="0">
+              <a:schemeClr val="accent1"/>
+            </a:effectRef>
+            <a:fontRef idx="minor">
+              <a:schemeClr val="lt1"/>
+            </a:fontRef>
+          </p:style>
+          <p:txBody>
+            <a:bodyPr rtlCol="0" anchor="ctr"/>
+            <a:lstStyle/>
+            <a:p>
+              <a:pPr algn="ctr"/>
+              <a:endParaRPr lang="en-US"/>
+            </a:p>
+          </p:txBody>
+        </p:sp>
+        <p:cxnSp>
+          <p:nvCxnSpPr>
+            <p:cNvPr id="12" name="Conector recto de flecha 11">
+              <a:extLst>
+                <a:ext uri="{FF2B5EF4-FFF2-40B4-BE49-F238E27FC236}">
+                  <a16:creationId xmlns:a16="http://schemas.microsoft.com/office/drawing/2014/main" id="{888992F2-C33D-6FB2-FB2C-8A58835B3940}"/>
+                </a:ext>
+              </a:extLst>
+            </p:cNvPr>
+            <p:cNvCxnSpPr>
+              <a:cxnSpLocks/>
+              <a:endCxn id="10" idx="0"/>
+            </p:cNvCxnSpPr>
+            <p:nvPr/>
+          </p:nvCxnSpPr>
+          <p:spPr>
+            <a:xfrm flipH="1">
+              <a:off x="3625070" y="1409700"/>
+              <a:ext cx="3606154" cy="2062162"/>
+            </a:xfrm>
+            <a:prstGeom prst="straightConnector1">
+              <a:avLst/>
+            </a:prstGeom>
+            <a:ln w="6350">
               <a:solidFill>
                 <a:schemeClr val="bg2">
-                  <a:lumMod val="10000"/>
+                  <a:lumMod val="25000"/>
                 </a:schemeClr>
               </a:solidFill>
-            </a:endParaRPr>
-          </a:p>
-        </p:txBody>
-      </p:sp>
-      <p:cxnSp>
-        <p:nvCxnSpPr>
-          <p:cNvPr id="5" name="Conector recto de flecha 4">
-            <a:extLst>
-              <a:ext uri="{FF2B5EF4-FFF2-40B4-BE49-F238E27FC236}">
-                <a16:creationId xmlns:a16="http://schemas.microsoft.com/office/drawing/2014/main" id="{2F8AB4D3-C0CC-0C1E-4825-BAAA765E6E76}"/>
-              </a:ext>
-            </a:extLst>
-          </p:cNvPr>
-          <p:cNvCxnSpPr>
-            <a:cxnSpLocks/>
-          </p:cNvCxnSpPr>
-          <p:nvPr/>
-        </p:nvCxnSpPr>
-        <p:spPr>
-          <a:xfrm>
-            <a:off x="380779" y="2414775"/>
-            <a:ext cx="1340877" cy="1191164"/>
-          </a:xfrm>
-          <a:prstGeom prst="straightConnector1">
-            <a:avLst/>
-          </a:prstGeom>
-          <a:ln w="6350">
-            <a:solidFill>
-              <a:schemeClr val="bg2">
-                <a:lumMod val="25000"/>
-              </a:schemeClr>
-            </a:solidFill>
-            <a:tailEnd type="triangle"/>
-          </a:ln>
-        </p:spPr>
-        <p:style>
-          <a:lnRef idx="1">
-            <a:schemeClr val="accent3"/>
-          </a:lnRef>
-          <a:fillRef idx="0">
-            <a:schemeClr val="accent3"/>
-          </a:fillRef>
-          <a:effectRef idx="0">
-            <a:schemeClr val="accent3"/>
-          </a:effectRef>
-          <a:fontRef idx="minor">
-            <a:schemeClr val="tx1"/>
-          </a:fontRef>
-        </p:style>
-      </p:cxnSp>
-      <p:sp>
-        <p:nvSpPr>
-          <p:cNvPr id="6" name="Rectángulo 5">
-            <a:extLst>
-              <a:ext uri="{FF2B5EF4-FFF2-40B4-BE49-F238E27FC236}">
-                <a16:creationId xmlns:a16="http://schemas.microsoft.com/office/drawing/2014/main" id="{FBF1C320-0E1C-4CB3-E69C-BC89C1030E39}"/>
-              </a:ext>
-            </a:extLst>
-          </p:cNvPr>
-          <p:cNvSpPr/>
-          <p:nvPr/>
-        </p:nvSpPr>
-        <p:spPr>
-          <a:xfrm>
-            <a:off x="834224" y="1838199"/>
-            <a:ext cx="1167296" cy="307777"/>
-          </a:xfrm>
-          <a:prstGeom prst="rect">
-            <a:avLst/>
-          </a:prstGeom>
-          <a:noFill/>
-          <a:ln w="28575">
-            <a:solidFill>
-              <a:srgbClr val="C00000"/>
-            </a:solidFill>
-          </a:ln>
-        </p:spPr>
-        <p:style>
-          <a:lnRef idx="2">
-            <a:schemeClr val="accent1">
-              <a:shade val="50000"/>
-            </a:schemeClr>
-          </a:lnRef>
-          <a:fillRef idx="1">
-            <a:schemeClr val="accent1"/>
-          </a:fillRef>
-          <a:effectRef idx="0">
-            <a:schemeClr val="accent1"/>
-          </a:effectRef>
-          <a:fontRef idx="minor">
-            <a:schemeClr val="lt1"/>
-          </a:fontRef>
-        </p:style>
-        <p:txBody>
-          <a:bodyPr rtlCol="0" anchor="ctr"/>
-          <a:lstStyle/>
-          <a:p>
-            <a:pPr algn="ctr"/>
-            <a:endParaRPr lang="en-US"/>
-          </a:p>
-        </p:txBody>
-      </p:sp>
+              <a:tailEnd type="triangle"/>
+            </a:ln>
+          </p:spPr>
+          <p:style>
+            <a:lnRef idx="1">
+              <a:schemeClr val="accent3"/>
+            </a:lnRef>
+            <a:fillRef idx="0">
+              <a:schemeClr val="accent3"/>
+            </a:fillRef>
+            <a:effectRef idx="0">
+              <a:schemeClr val="accent3"/>
+            </a:effectRef>
+            <a:fontRef idx="minor">
+              <a:schemeClr val="tx1"/>
+            </a:fontRef>
+          </p:style>
+        </p:cxnSp>
+        <p:cxnSp>
+          <p:nvCxnSpPr>
+            <p:cNvPr id="15" name="Conector recto de flecha 14">
+              <a:extLst>
+                <a:ext uri="{FF2B5EF4-FFF2-40B4-BE49-F238E27FC236}">
+                  <a16:creationId xmlns:a16="http://schemas.microsoft.com/office/drawing/2014/main" id="{31314395-0704-D223-01CD-AE58E13345A2}"/>
+                </a:ext>
+              </a:extLst>
+            </p:cNvPr>
+            <p:cNvCxnSpPr>
+              <a:cxnSpLocks/>
+              <a:stCxn id="9" idx="2"/>
+              <a:endCxn id="11" idx="0"/>
+            </p:cNvCxnSpPr>
+            <p:nvPr/>
+          </p:nvCxnSpPr>
+          <p:spPr>
+            <a:xfrm flipH="1">
+              <a:off x="5484059" y="1409700"/>
+              <a:ext cx="2631241" cy="2068512"/>
+            </a:xfrm>
+            <a:prstGeom prst="straightConnector1">
+              <a:avLst/>
+            </a:prstGeom>
+            <a:ln w="6350">
+              <a:solidFill>
+                <a:schemeClr val="bg2">
+                  <a:lumMod val="25000"/>
+                </a:schemeClr>
+              </a:solidFill>
+              <a:tailEnd type="triangle"/>
+            </a:ln>
+          </p:spPr>
+          <p:style>
+            <a:lnRef idx="1">
+              <a:schemeClr val="accent3"/>
+            </a:lnRef>
+            <a:fillRef idx="0">
+              <a:schemeClr val="accent3"/>
+            </a:fillRef>
+            <a:effectRef idx="0">
+              <a:schemeClr val="accent3"/>
+            </a:effectRef>
+            <a:fontRef idx="minor">
+              <a:schemeClr val="tx1"/>
+            </a:fontRef>
+          </p:style>
+        </p:cxnSp>
+      </p:grpSp>
     </p:spTree>
     <p:extLst>
       <p:ext uri="{BB962C8B-B14F-4D97-AF65-F5344CB8AC3E}">
-        <p14:creationId xmlns:p14="http://schemas.microsoft.com/office/powerpoint/2010/main" val="249985278"/>
+        <p14:creationId xmlns:p14="http://schemas.microsoft.com/office/powerpoint/2010/main" val="1166108845"/>
+      </p:ext>
+    </p:extLst>
+  </p:cSld>
+  <p:clrMapOvr>
+    <a:masterClrMapping/>
+  </p:clrMapOvr>
+</p:sld>
+</file>
+
+<file path=ppt/slides/slide15.xml><?xml version="1.0" encoding="utf-8"?>
+<p:sld xmlns:a="http://schemas.openxmlformats.org/drawingml/2006/main" xmlns:r="http://schemas.openxmlformats.org/officeDocument/2006/relationships" xmlns:p="http://schemas.openxmlformats.org/presentationml/2006/main">
+  <p:cSld>
+    <p:spTree>
+      <p:nvGrpSpPr>
+        <p:cNvPr id="1" name=""/>
+        <p:cNvGrpSpPr/>
+        <p:nvPr/>
+      </p:nvGrpSpPr>
+      <p:grpSpPr>
+        <a:xfrm>
+          <a:off x="0" y="0"/>
+          <a:ext cx="0" cy="0"/>
+          <a:chOff x="0" y="0"/>
+          <a:chExt cx="0" cy="0"/>
+        </a:xfrm>
+      </p:grpSpPr>
+      <p:grpSp>
+        <p:nvGrpSpPr>
+          <p:cNvPr id="8" name="Grupo 7">
+            <a:extLst>
+              <a:ext uri="{FF2B5EF4-FFF2-40B4-BE49-F238E27FC236}">
+                <a16:creationId xmlns:a16="http://schemas.microsoft.com/office/drawing/2014/main" id="{E872A62F-365B-750D-11A2-F84157FFD12B}"/>
+              </a:ext>
+            </a:extLst>
+          </p:cNvPr>
+          <p:cNvGrpSpPr/>
+          <p:nvPr/>
+        </p:nvGrpSpPr>
+        <p:grpSpPr>
+          <a:xfrm>
+            <a:off x="-2003124" y="1100126"/>
+            <a:ext cx="15704660" cy="4657748"/>
+            <a:chOff x="-2003124" y="1100126"/>
+            <a:chExt cx="15704660" cy="4657748"/>
+          </a:xfrm>
+        </p:grpSpPr>
+        <p:pic>
+          <p:nvPicPr>
+            <p:cNvPr id="3" name="Imagen 2">
+              <a:extLst>
+                <a:ext uri="{FF2B5EF4-FFF2-40B4-BE49-F238E27FC236}">
+                  <a16:creationId xmlns:a16="http://schemas.microsoft.com/office/drawing/2014/main" id="{8F6B830D-02D3-4610-9A36-0D7B305965DB}"/>
+                </a:ext>
+              </a:extLst>
+            </p:cNvPr>
+            <p:cNvPicPr>
+              <a:picLocks noChangeAspect="1"/>
+            </p:cNvPicPr>
+            <p:nvPr/>
+          </p:nvPicPr>
+          <p:blipFill>
+            <a:blip r:embed="rId2"/>
+            <a:stretch>
+              <a:fillRect/>
+            </a:stretch>
+          </p:blipFill>
+          <p:spPr>
+            <a:xfrm>
+              <a:off x="5849207" y="1100126"/>
+              <a:ext cx="7852329" cy="4657748"/>
+            </a:xfrm>
+            <a:prstGeom prst="rect">
+              <a:avLst/>
+            </a:prstGeom>
+          </p:spPr>
+        </p:pic>
+        <p:pic>
+          <p:nvPicPr>
+            <p:cNvPr id="6" name="Imagen 5">
+              <a:extLst>
+                <a:ext uri="{FF2B5EF4-FFF2-40B4-BE49-F238E27FC236}">
+                  <a16:creationId xmlns:a16="http://schemas.microsoft.com/office/drawing/2014/main" id="{7E197B70-8092-9B29-2548-5F89230537B8}"/>
+                </a:ext>
+              </a:extLst>
+            </p:cNvPr>
+            <p:cNvPicPr>
+              <a:picLocks noChangeAspect="1"/>
+            </p:cNvPicPr>
+            <p:nvPr/>
+          </p:nvPicPr>
+          <p:blipFill>
+            <a:blip r:embed="rId3"/>
+            <a:stretch>
+              <a:fillRect/>
+            </a:stretch>
+          </p:blipFill>
+          <p:spPr>
+            <a:xfrm>
+              <a:off x="-2003124" y="1100126"/>
+              <a:ext cx="7852329" cy="4657748"/>
+            </a:xfrm>
+            <a:prstGeom prst="rect">
+              <a:avLst/>
+            </a:prstGeom>
+          </p:spPr>
+        </p:pic>
+      </p:grpSp>
+    </p:spTree>
+    <p:extLst>
+      <p:ext uri="{BB962C8B-B14F-4D97-AF65-F5344CB8AC3E}">
+        <p14:creationId xmlns:p14="http://schemas.microsoft.com/office/powerpoint/2010/main" val="4063825640"/>
+      </p:ext>
+    </p:extLst>
+  </p:cSld>
+  <p:clrMapOvr>
+    <a:masterClrMapping/>
+  </p:clrMapOvr>
+</p:sld>
+</file>
+
+<file path=ppt/slides/slide16.xml><?xml version="1.0" encoding="utf-8"?>
+<p:sld xmlns:a="http://schemas.openxmlformats.org/drawingml/2006/main" xmlns:r="http://schemas.openxmlformats.org/officeDocument/2006/relationships" xmlns:p="http://schemas.openxmlformats.org/presentationml/2006/main">
+  <p:cSld>
+    <p:spTree>
+      <p:nvGrpSpPr>
+        <p:cNvPr id="1" name=""/>
+        <p:cNvGrpSpPr/>
+        <p:nvPr/>
+      </p:nvGrpSpPr>
+      <p:grpSpPr>
+        <a:xfrm>
+          <a:off x="0" y="0"/>
+          <a:ext cx="0" cy="0"/>
+          <a:chOff x="0" y="0"/>
+          <a:chExt cx="0" cy="0"/>
+        </a:xfrm>
+      </p:grpSpPr>
+      <p:grpSp>
+        <p:nvGrpSpPr>
+          <p:cNvPr id="5" name="Grupo 4">
+            <a:extLst>
+              <a:ext uri="{FF2B5EF4-FFF2-40B4-BE49-F238E27FC236}">
+                <a16:creationId xmlns:a16="http://schemas.microsoft.com/office/drawing/2014/main" id="{D3D08DCD-3263-6879-1668-AC325690DF98}"/>
+              </a:ext>
+            </a:extLst>
+          </p:cNvPr>
+          <p:cNvGrpSpPr/>
+          <p:nvPr/>
+        </p:nvGrpSpPr>
+        <p:grpSpPr>
+          <a:xfrm>
+            <a:off x="-2346026" y="1453897"/>
+            <a:ext cx="15704660" cy="4645555"/>
+            <a:chOff x="-2003126" y="1106223"/>
+            <a:chExt cx="15704660" cy="4645555"/>
+          </a:xfrm>
+        </p:grpSpPr>
+        <p:pic>
+          <p:nvPicPr>
+            <p:cNvPr id="2" name="Imagen 1">
+              <a:extLst>
+                <a:ext uri="{FF2B5EF4-FFF2-40B4-BE49-F238E27FC236}">
+                  <a16:creationId xmlns:a16="http://schemas.microsoft.com/office/drawing/2014/main" id="{55D12D02-69E8-32A6-2C7E-CA14D51E5255}"/>
+                </a:ext>
+              </a:extLst>
+            </p:cNvPr>
+            <p:cNvPicPr>
+              <a:picLocks noChangeAspect="1"/>
+            </p:cNvPicPr>
+            <p:nvPr/>
+          </p:nvPicPr>
+          <p:blipFill>
+            <a:blip r:embed="rId2"/>
+            <a:stretch>
+              <a:fillRect/>
+            </a:stretch>
+          </p:blipFill>
+          <p:spPr>
+            <a:xfrm>
+              <a:off x="5849205" y="1106223"/>
+              <a:ext cx="7852329" cy="4645555"/>
+            </a:xfrm>
+            <a:prstGeom prst="rect">
+              <a:avLst/>
+            </a:prstGeom>
+          </p:spPr>
+        </p:pic>
+        <p:pic>
+          <p:nvPicPr>
+            <p:cNvPr id="4" name="Imagen 3">
+              <a:extLst>
+                <a:ext uri="{FF2B5EF4-FFF2-40B4-BE49-F238E27FC236}">
+                  <a16:creationId xmlns:a16="http://schemas.microsoft.com/office/drawing/2014/main" id="{3E485BD4-C7B0-3ECD-2F70-60CABCC2D390}"/>
+                </a:ext>
+              </a:extLst>
+            </p:cNvPr>
+            <p:cNvPicPr>
+              <a:picLocks noChangeAspect="1"/>
+            </p:cNvPicPr>
+            <p:nvPr/>
+          </p:nvPicPr>
+          <p:blipFill>
+            <a:blip r:embed="rId3"/>
+            <a:stretch>
+              <a:fillRect/>
+            </a:stretch>
+          </p:blipFill>
+          <p:spPr>
+            <a:xfrm>
+              <a:off x="-2003126" y="1109271"/>
+              <a:ext cx="7852329" cy="4639458"/>
+            </a:xfrm>
+            <a:prstGeom prst="rect">
+              <a:avLst/>
+            </a:prstGeom>
+          </p:spPr>
+        </p:pic>
+      </p:grpSp>
+    </p:spTree>
+    <p:extLst>
+      <p:ext uri="{BB962C8B-B14F-4D97-AF65-F5344CB8AC3E}">
+        <p14:creationId xmlns:p14="http://schemas.microsoft.com/office/powerpoint/2010/main" val="3650174386"/>
       </p:ext>
     </p:extLst>
   </p:cSld>
@@ -4515,177 +5676,213 @@
           <a:chExt cx="0" cy="0"/>
         </a:xfrm>
       </p:grpSpPr>
-      <p:sp>
-        <p:nvSpPr>
-          <p:cNvPr id="4" name="CuadroTexto 3">
-            <a:extLst>
-              <a:ext uri="{FF2B5EF4-FFF2-40B4-BE49-F238E27FC236}">
-                <a16:creationId xmlns:a16="http://schemas.microsoft.com/office/drawing/2014/main" id="{D4B964EE-EF62-18F3-6FF7-A9B8F3782AF8}"/>
-              </a:ext>
-            </a:extLst>
-          </p:cNvPr>
-          <p:cNvSpPr txBox="1"/>
+      <p:grpSp>
+        <p:nvGrpSpPr>
+          <p:cNvPr id="9" name="Grupo 8">
+            <a:extLst>
+              <a:ext uri="{FF2B5EF4-FFF2-40B4-BE49-F238E27FC236}">
+                <a16:creationId xmlns:a16="http://schemas.microsoft.com/office/drawing/2014/main" id="{9D53EF95-84AC-DD64-88CB-C21EC625FF73}"/>
+              </a:ext>
+            </a:extLst>
+          </p:cNvPr>
+          <p:cNvGrpSpPr/>
           <p:nvPr/>
-        </p:nvSpPr>
-        <p:spPr>
+        </p:nvGrpSpPr>
+        <p:grpSpPr>
           <a:xfrm>
-            <a:off x="496199" y="607351"/>
-            <a:ext cx="1666997" cy="307777"/>
+            <a:off x="20320" y="304800"/>
+            <a:ext cx="12192000" cy="6451600"/>
+            <a:chOff x="20320" y="304800"/>
+            <a:chExt cx="12192000" cy="6451600"/>
           </a:xfrm>
-          <a:prstGeom prst="rect">
-            <a:avLst/>
-          </a:prstGeom>
-          <a:noFill/>
-        </p:spPr>
-        <p:txBody>
-          <a:bodyPr wrap="square" rtlCol="0">
-            <a:spAutoFit/>
-          </a:bodyPr>
-          <a:lstStyle>
-            <a:defPPr>
-              <a:defRPr lang="en-US"/>
-            </a:defPPr>
-            <a:lvl1pPr algn="ctr">
-              <a:defRPr sz="1100" b="1">
-                <a:solidFill>
-                  <a:schemeClr val="bg2">
-                    <a:lumMod val="25000"/>
-                  </a:schemeClr>
-                </a:solidFill>
-                <a:latin typeface="Segoe UI Light" panose="020B0502040204020203" pitchFamily="34" charset="0"/>
-                <a:cs typeface="Segoe UI Light" panose="020B0502040204020203" pitchFamily="34" charset="0"/>
-              </a:defRPr>
-            </a:lvl1pPr>
-          </a:lstStyle>
-          <a:p>
-            <a:r>
-              <a:rPr lang="es-VE" sz="1400" dirty="0" err="1">
-                <a:solidFill>
-                  <a:schemeClr val="bg2">
-                    <a:lumMod val="10000"/>
-                  </a:schemeClr>
-                </a:solidFill>
-              </a:rPr>
-              <a:t>Sediment</a:t>
-            </a:r>
-            <a:r>
-              <a:rPr lang="es-VE" sz="1400" dirty="0">
-                <a:solidFill>
-                  <a:schemeClr val="bg2">
-                    <a:lumMod val="10000"/>
-                  </a:schemeClr>
-                </a:solidFill>
-              </a:rPr>
-              <a:t> Data</a:t>
-            </a:r>
-            <a:endParaRPr lang="es-VE" sz="1200" baseline="-25000" dirty="0">
+        </p:grpSpPr>
+        <p:pic>
+          <p:nvPicPr>
+            <p:cNvPr id="3" name="Imagen 2">
+              <a:extLst>
+                <a:ext uri="{FF2B5EF4-FFF2-40B4-BE49-F238E27FC236}">
+                  <a16:creationId xmlns:a16="http://schemas.microsoft.com/office/drawing/2014/main" id="{39F766AB-7171-4935-35E3-5D2850D81FB7}"/>
+                </a:ext>
+              </a:extLst>
+            </p:cNvPr>
+            <p:cNvPicPr>
+              <a:picLocks noChangeAspect="1"/>
+            </p:cNvPicPr>
+            <p:nvPr/>
+          </p:nvPicPr>
+          <p:blipFill>
+            <a:blip r:embed="rId2"/>
+            <a:stretch>
+              <a:fillRect/>
+            </a:stretch>
+          </p:blipFill>
+          <p:spPr>
+            <a:xfrm>
+              <a:off x="20320" y="304800"/>
+              <a:ext cx="12192000" cy="6451600"/>
+            </a:xfrm>
+            <a:prstGeom prst="rect">
+              <a:avLst/>
+            </a:prstGeom>
+          </p:spPr>
+        </p:pic>
+        <p:sp>
+          <p:nvSpPr>
+            <p:cNvPr id="6" name="Rectángulo 5">
+              <a:extLst>
+                <a:ext uri="{FF2B5EF4-FFF2-40B4-BE49-F238E27FC236}">
+                  <a16:creationId xmlns:a16="http://schemas.microsoft.com/office/drawing/2014/main" id="{FBF1C320-0E1C-4CB3-E69C-BC89C1030E39}"/>
+                </a:ext>
+              </a:extLst>
+            </p:cNvPr>
+            <p:cNvSpPr/>
+            <p:nvPr/>
+          </p:nvSpPr>
+          <p:spPr>
+            <a:xfrm>
+              <a:off x="184072" y="729887"/>
+              <a:ext cx="1695528" cy="193041"/>
+            </a:xfrm>
+            <a:prstGeom prst="rect">
+              <a:avLst/>
+            </a:prstGeom>
+            <a:noFill/>
+            <a:ln w="28575">
               <a:solidFill>
-                <a:schemeClr val="bg2">
-                  <a:lumMod val="10000"/>
-                </a:schemeClr>
+                <a:srgbClr val="C00000"/>
               </a:solidFill>
-            </a:endParaRPr>
-          </a:p>
-        </p:txBody>
-      </p:sp>
-      <p:cxnSp>
-        <p:nvCxnSpPr>
-          <p:cNvPr id="5" name="Conector recto de flecha 4">
-            <a:extLst>
-              <a:ext uri="{FF2B5EF4-FFF2-40B4-BE49-F238E27FC236}">
-                <a16:creationId xmlns:a16="http://schemas.microsoft.com/office/drawing/2014/main" id="{2F8AB4D3-C0CC-0C1E-4825-BAAA765E6E76}"/>
-              </a:ext>
-            </a:extLst>
-          </p:cNvPr>
-          <p:cNvCxnSpPr>
-            <a:cxnSpLocks/>
-          </p:cNvCxnSpPr>
-          <p:nvPr/>
-        </p:nvCxnSpPr>
-        <p:spPr>
-          <a:xfrm>
-            <a:off x="380779" y="2414775"/>
-            <a:ext cx="1340877" cy="1191164"/>
-          </a:xfrm>
-          <a:prstGeom prst="straightConnector1">
-            <a:avLst/>
-          </a:prstGeom>
-          <a:ln w="6350">
-            <a:solidFill>
-              <a:schemeClr val="bg2">
-                <a:lumMod val="25000"/>
+            </a:ln>
+          </p:spPr>
+          <p:style>
+            <a:lnRef idx="2">
+              <a:schemeClr val="accent1">
+                <a:shade val="50000"/>
               </a:schemeClr>
-            </a:solidFill>
-            <a:tailEnd type="triangle"/>
-          </a:ln>
-        </p:spPr>
-        <p:style>
-          <a:lnRef idx="1">
-            <a:schemeClr val="accent3"/>
-          </a:lnRef>
-          <a:fillRef idx="0">
-            <a:schemeClr val="accent3"/>
-          </a:fillRef>
-          <a:effectRef idx="0">
-            <a:schemeClr val="accent3"/>
-          </a:effectRef>
-          <a:fontRef idx="minor">
-            <a:schemeClr val="tx1"/>
-          </a:fontRef>
-        </p:style>
-      </p:cxnSp>
-      <p:sp>
-        <p:nvSpPr>
-          <p:cNvPr id="6" name="Rectángulo 5">
-            <a:extLst>
-              <a:ext uri="{FF2B5EF4-FFF2-40B4-BE49-F238E27FC236}">
-                <a16:creationId xmlns:a16="http://schemas.microsoft.com/office/drawing/2014/main" id="{FBF1C320-0E1C-4CB3-E69C-BC89C1030E39}"/>
-              </a:ext>
-            </a:extLst>
-          </p:cNvPr>
-          <p:cNvSpPr/>
-          <p:nvPr/>
-        </p:nvSpPr>
-        <p:spPr>
-          <a:xfrm>
-            <a:off x="834224" y="1838199"/>
-            <a:ext cx="1167296" cy="307777"/>
-          </a:xfrm>
-          <a:prstGeom prst="rect">
-            <a:avLst/>
-          </a:prstGeom>
-          <a:noFill/>
-          <a:ln w="28575">
-            <a:solidFill>
-              <a:srgbClr val="C00000"/>
-            </a:solidFill>
-          </a:ln>
-        </p:spPr>
-        <p:style>
-          <a:lnRef idx="2">
-            <a:schemeClr val="accent1">
-              <a:shade val="50000"/>
-            </a:schemeClr>
-          </a:lnRef>
-          <a:fillRef idx="1">
-            <a:schemeClr val="accent1"/>
-          </a:fillRef>
-          <a:effectRef idx="0">
-            <a:schemeClr val="accent1"/>
-          </a:effectRef>
-          <a:fontRef idx="minor">
-            <a:schemeClr val="lt1"/>
-          </a:fontRef>
-        </p:style>
-        <p:txBody>
-          <a:bodyPr rtlCol="0" anchor="ctr"/>
-          <a:lstStyle/>
-          <a:p>
-            <a:pPr algn="ctr"/>
-            <a:endParaRPr lang="en-US"/>
-          </a:p>
-        </p:txBody>
-      </p:sp>
+            </a:lnRef>
+            <a:fillRef idx="1">
+              <a:schemeClr val="accent1"/>
+            </a:fillRef>
+            <a:effectRef idx="0">
+              <a:schemeClr val="accent1"/>
+            </a:effectRef>
+            <a:fontRef idx="minor">
+              <a:schemeClr val="lt1"/>
+            </a:fontRef>
+          </p:style>
+          <p:txBody>
+            <a:bodyPr rtlCol="0" anchor="ctr"/>
+            <a:lstStyle/>
+            <a:p>
+              <a:pPr algn="ctr"/>
+              <a:endParaRPr lang="en-US"/>
+            </a:p>
+          </p:txBody>
+        </p:sp>
+        <p:sp>
+          <p:nvSpPr>
+            <p:cNvPr id="7" name="Rectángulo 6">
+              <a:extLst>
+                <a:ext uri="{FF2B5EF4-FFF2-40B4-BE49-F238E27FC236}">
+                  <a16:creationId xmlns:a16="http://schemas.microsoft.com/office/drawing/2014/main" id="{E89773A4-312D-54D2-2683-C1DF8F3CB01A}"/>
+                </a:ext>
+              </a:extLst>
+            </p:cNvPr>
+            <p:cNvSpPr/>
+            <p:nvPr/>
+          </p:nvSpPr>
+          <p:spPr>
+            <a:xfrm>
+              <a:off x="184072" y="6360160"/>
+              <a:ext cx="1695528" cy="193040"/>
+            </a:xfrm>
+            <a:prstGeom prst="rect">
+              <a:avLst/>
+            </a:prstGeom>
+            <a:noFill/>
+            <a:ln w="28575">
+              <a:solidFill>
+                <a:srgbClr val="C00000"/>
+              </a:solidFill>
+            </a:ln>
+          </p:spPr>
+          <p:style>
+            <a:lnRef idx="2">
+              <a:schemeClr val="accent1">
+                <a:shade val="50000"/>
+              </a:schemeClr>
+            </a:lnRef>
+            <a:fillRef idx="1">
+              <a:schemeClr val="accent1"/>
+            </a:fillRef>
+            <a:effectRef idx="0">
+              <a:schemeClr val="accent1"/>
+            </a:effectRef>
+            <a:fontRef idx="minor">
+              <a:schemeClr val="lt1"/>
+            </a:fontRef>
+          </p:style>
+          <p:txBody>
+            <a:bodyPr rtlCol="0" anchor="ctr"/>
+            <a:lstStyle/>
+            <a:p>
+              <a:pPr algn="ctr"/>
+              <a:endParaRPr lang="en-US"/>
+            </a:p>
+          </p:txBody>
+        </p:sp>
+        <p:sp>
+          <p:nvSpPr>
+            <p:cNvPr id="8" name="Rectángulo 7">
+              <a:extLst>
+                <a:ext uri="{FF2B5EF4-FFF2-40B4-BE49-F238E27FC236}">
+                  <a16:creationId xmlns:a16="http://schemas.microsoft.com/office/drawing/2014/main" id="{6C76B688-67FB-78B0-E418-9AA247C1EFB2}"/>
+                </a:ext>
+              </a:extLst>
+            </p:cNvPr>
+            <p:cNvSpPr/>
+            <p:nvPr/>
+          </p:nvSpPr>
+          <p:spPr>
+            <a:xfrm>
+              <a:off x="203453" y="1817007"/>
+              <a:ext cx="1695528" cy="394568"/>
+            </a:xfrm>
+            <a:prstGeom prst="rect">
+              <a:avLst/>
+            </a:prstGeom>
+            <a:noFill/>
+            <a:ln w="28575">
+              <a:solidFill>
+                <a:srgbClr val="C00000"/>
+              </a:solidFill>
+            </a:ln>
+          </p:spPr>
+          <p:style>
+            <a:lnRef idx="2">
+              <a:schemeClr val="accent1">
+                <a:shade val="50000"/>
+              </a:schemeClr>
+            </a:lnRef>
+            <a:fillRef idx="1">
+              <a:schemeClr val="accent1"/>
+            </a:fillRef>
+            <a:effectRef idx="0">
+              <a:schemeClr val="accent1"/>
+            </a:effectRef>
+            <a:fontRef idx="minor">
+              <a:schemeClr val="lt1"/>
+            </a:fontRef>
+          </p:style>
+          <p:txBody>
+            <a:bodyPr rtlCol="0" anchor="ctr"/>
+            <a:lstStyle/>
+            <a:p>
+              <a:pPr algn="ctr"/>
+              <a:endParaRPr lang="en-US"/>
+            </a:p>
+          </p:txBody>
+        </p:sp>
+      </p:grpSp>
     </p:spTree>
     <p:extLst>
       <p:ext uri="{BB962C8B-B14F-4D97-AF65-F5344CB8AC3E}">
@@ -4716,177 +5913,387 @@
           <a:chExt cx="0" cy="0"/>
         </a:xfrm>
       </p:grpSpPr>
-      <p:sp>
-        <p:nvSpPr>
-          <p:cNvPr id="4" name="CuadroTexto 3">
-            <a:extLst>
-              <a:ext uri="{FF2B5EF4-FFF2-40B4-BE49-F238E27FC236}">
-                <a16:creationId xmlns:a16="http://schemas.microsoft.com/office/drawing/2014/main" id="{D4B964EE-EF62-18F3-6FF7-A9B8F3782AF8}"/>
-              </a:ext>
-            </a:extLst>
-          </p:cNvPr>
-          <p:cNvSpPr txBox="1"/>
+      <p:grpSp>
+        <p:nvGrpSpPr>
+          <p:cNvPr id="18" name="Grupo 17">
+            <a:extLst>
+              <a:ext uri="{FF2B5EF4-FFF2-40B4-BE49-F238E27FC236}">
+                <a16:creationId xmlns:a16="http://schemas.microsoft.com/office/drawing/2014/main" id="{85BCE506-D214-53F3-2CDF-A19ABC0193B0}"/>
+              </a:ext>
+            </a:extLst>
+          </p:cNvPr>
+          <p:cNvGrpSpPr/>
           <p:nvPr/>
-        </p:nvSpPr>
-        <p:spPr>
+        </p:nvGrpSpPr>
+        <p:grpSpPr>
           <a:xfrm>
-            <a:off x="496199" y="607351"/>
-            <a:ext cx="1666997" cy="307777"/>
+            <a:off x="635000" y="332431"/>
+            <a:ext cx="11060801" cy="6486547"/>
+            <a:chOff x="635000" y="332431"/>
+            <a:chExt cx="11060801" cy="6486547"/>
           </a:xfrm>
-          <a:prstGeom prst="rect">
-            <a:avLst/>
-          </a:prstGeom>
-          <a:noFill/>
-        </p:spPr>
-        <p:txBody>
-          <a:bodyPr wrap="square" rtlCol="0">
-            <a:spAutoFit/>
-          </a:bodyPr>
-          <a:lstStyle>
-            <a:defPPr>
-              <a:defRPr lang="en-US"/>
-            </a:defPPr>
-            <a:lvl1pPr algn="ctr">
-              <a:defRPr sz="1100" b="1">
-                <a:solidFill>
-                  <a:schemeClr val="bg2">
-                    <a:lumMod val="25000"/>
-                  </a:schemeClr>
-                </a:solidFill>
-                <a:latin typeface="Segoe UI Light" panose="020B0502040204020203" pitchFamily="34" charset="0"/>
-                <a:cs typeface="Segoe UI Light" panose="020B0502040204020203" pitchFamily="34" charset="0"/>
-              </a:defRPr>
-            </a:lvl1pPr>
-          </a:lstStyle>
-          <a:p>
-            <a:r>
-              <a:rPr lang="es-VE" sz="1400" dirty="0" err="1">
-                <a:solidFill>
-                  <a:schemeClr val="bg2">
-                    <a:lumMod val="10000"/>
-                  </a:schemeClr>
-                </a:solidFill>
-              </a:rPr>
-              <a:t>Sediment</a:t>
-            </a:r>
-            <a:r>
-              <a:rPr lang="es-VE" sz="1400" dirty="0">
-                <a:solidFill>
-                  <a:schemeClr val="bg2">
-                    <a:lumMod val="10000"/>
-                  </a:schemeClr>
-                </a:solidFill>
-              </a:rPr>
-              <a:t> Data</a:t>
-            </a:r>
-            <a:endParaRPr lang="es-VE" sz="1200" baseline="-25000" dirty="0">
+        </p:grpSpPr>
+        <p:pic>
+          <p:nvPicPr>
+            <p:cNvPr id="3" name="Imagen 2">
+              <a:extLst>
+                <a:ext uri="{FF2B5EF4-FFF2-40B4-BE49-F238E27FC236}">
+                  <a16:creationId xmlns:a16="http://schemas.microsoft.com/office/drawing/2014/main" id="{09A6FFEE-AC7C-6D58-1E15-6B15858B6E53}"/>
+                </a:ext>
+              </a:extLst>
+            </p:cNvPr>
+            <p:cNvPicPr>
+              <a:picLocks noChangeAspect="1"/>
+            </p:cNvPicPr>
+            <p:nvPr/>
+          </p:nvPicPr>
+          <p:blipFill>
+            <a:blip r:embed="rId2"/>
+            <a:stretch>
+              <a:fillRect/>
+            </a:stretch>
+          </p:blipFill>
+          <p:spPr>
+            <a:xfrm>
+              <a:off x="3693776" y="332431"/>
+              <a:ext cx="8002025" cy="4257997"/>
+            </a:xfrm>
+            <a:prstGeom prst="rect">
+              <a:avLst/>
+            </a:prstGeom>
+          </p:spPr>
+        </p:pic>
+        <p:sp>
+          <p:nvSpPr>
+            <p:cNvPr id="6" name="Rectángulo 5">
+              <a:extLst>
+                <a:ext uri="{FF2B5EF4-FFF2-40B4-BE49-F238E27FC236}">
+                  <a16:creationId xmlns:a16="http://schemas.microsoft.com/office/drawing/2014/main" id="{FBF1C320-0E1C-4CB3-E69C-BC89C1030E39}"/>
+                </a:ext>
+              </a:extLst>
+            </p:cNvPr>
+            <p:cNvSpPr/>
+            <p:nvPr/>
+          </p:nvSpPr>
+          <p:spPr>
+            <a:xfrm>
+              <a:off x="6904824" y="915128"/>
+              <a:ext cx="702476" cy="494572"/>
+            </a:xfrm>
+            <a:prstGeom prst="rect">
+              <a:avLst/>
+            </a:prstGeom>
+            <a:noFill/>
+            <a:ln w="28575">
+              <a:solidFill>
+                <a:srgbClr val="C00000"/>
+              </a:solidFill>
+            </a:ln>
+          </p:spPr>
+          <p:style>
+            <a:lnRef idx="2">
+              <a:schemeClr val="accent1">
+                <a:shade val="50000"/>
+              </a:schemeClr>
+            </a:lnRef>
+            <a:fillRef idx="1">
+              <a:schemeClr val="accent1"/>
+            </a:fillRef>
+            <a:effectRef idx="0">
+              <a:schemeClr val="accent1"/>
+            </a:effectRef>
+            <a:fontRef idx="minor">
+              <a:schemeClr val="lt1"/>
+            </a:fontRef>
+          </p:style>
+          <p:txBody>
+            <a:bodyPr rtlCol="0" anchor="ctr"/>
+            <a:lstStyle/>
+            <a:p>
+              <a:pPr algn="ctr"/>
+              <a:endParaRPr lang="en-US"/>
+            </a:p>
+          </p:txBody>
+        </p:sp>
+        <p:pic>
+          <p:nvPicPr>
+            <p:cNvPr id="8" name="Imagen 7">
+              <a:extLst>
+                <a:ext uri="{FF2B5EF4-FFF2-40B4-BE49-F238E27FC236}">
+                  <a16:creationId xmlns:a16="http://schemas.microsoft.com/office/drawing/2014/main" id="{4644228C-AF56-5B62-FCBA-59772D608D4C}"/>
+                </a:ext>
+              </a:extLst>
+            </p:cNvPr>
+            <p:cNvPicPr>
+              <a:picLocks noChangeAspect="1"/>
+            </p:cNvPicPr>
+            <p:nvPr/>
+          </p:nvPicPr>
+          <p:blipFill>
+            <a:blip r:embed="rId3"/>
+            <a:stretch>
+              <a:fillRect/>
+            </a:stretch>
+          </p:blipFill>
+          <p:spPr>
+            <a:xfrm>
+              <a:off x="635000" y="3191639"/>
+              <a:ext cx="8462034" cy="3627339"/>
+            </a:xfrm>
+            <a:prstGeom prst="rect">
+              <a:avLst/>
+            </a:prstGeom>
+          </p:spPr>
+        </p:pic>
+        <p:sp>
+          <p:nvSpPr>
+            <p:cNvPr id="9" name="Rectángulo 8">
+              <a:extLst>
+                <a:ext uri="{FF2B5EF4-FFF2-40B4-BE49-F238E27FC236}">
+                  <a16:creationId xmlns:a16="http://schemas.microsoft.com/office/drawing/2014/main" id="{80CB39C5-3353-04E6-EC96-5D82C832F8B6}"/>
+                </a:ext>
+              </a:extLst>
+            </p:cNvPr>
+            <p:cNvSpPr/>
+            <p:nvPr/>
+          </p:nvSpPr>
+          <p:spPr>
+            <a:xfrm>
+              <a:off x="7607300" y="915128"/>
+              <a:ext cx="1016000" cy="494572"/>
+            </a:xfrm>
+            <a:prstGeom prst="rect">
+              <a:avLst/>
+            </a:prstGeom>
+            <a:noFill/>
+            <a:ln w="28575">
+              <a:solidFill>
+                <a:srgbClr val="C00000"/>
+              </a:solidFill>
+            </a:ln>
+          </p:spPr>
+          <p:style>
+            <a:lnRef idx="2">
+              <a:schemeClr val="accent1">
+                <a:shade val="50000"/>
+              </a:schemeClr>
+            </a:lnRef>
+            <a:fillRef idx="1">
+              <a:schemeClr val="accent1"/>
+            </a:fillRef>
+            <a:effectRef idx="0">
+              <a:schemeClr val="accent1"/>
+            </a:effectRef>
+            <a:fontRef idx="minor">
+              <a:schemeClr val="lt1"/>
+            </a:fontRef>
+          </p:style>
+          <p:txBody>
+            <a:bodyPr rtlCol="0" anchor="ctr"/>
+            <a:lstStyle/>
+            <a:p>
+              <a:pPr algn="ctr"/>
+              <a:endParaRPr lang="en-US"/>
+            </a:p>
+          </p:txBody>
+        </p:sp>
+        <p:sp>
+          <p:nvSpPr>
+            <p:cNvPr id="10" name="Rectángulo 9">
+              <a:extLst>
+                <a:ext uri="{FF2B5EF4-FFF2-40B4-BE49-F238E27FC236}">
+                  <a16:creationId xmlns:a16="http://schemas.microsoft.com/office/drawing/2014/main" id="{93FED047-2DF8-6E17-F33E-38223B42D26B}"/>
+                </a:ext>
+              </a:extLst>
+            </p:cNvPr>
+            <p:cNvSpPr/>
+            <p:nvPr/>
+          </p:nvSpPr>
+          <p:spPr>
+            <a:xfrm>
+              <a:off x="2487639" y="3509962"/>
+              <a:ext cx="484161" cy="3157537"/>
+            </a:xfrm>
+            <a:prstGeom prst="rect">
+              <a:avLst/>
+            </a:prstGeom>
+            <a:noFill/>
+            <a:ln w="28575">
+              <a:solidFill>
+                <a:srgbClr val="C00000"/>
+              </a:solidFill>
+            </a:ln>
+          </p:spPr>
+          <p:style>
+            <a:lnRef idx="2">
+              <a:schemeClr val="accent1">
+                <a:shade val="50000"/>
+              </a:schemeClr>
+            </a:lnRef>
+            <a:fillRef idx="1">
+              <a:schemeClr val="accent1"/>
+            </a:fillRef>
+            <a:effectRef idx="0">
+              <a:schemeClr val="accent1"/>
+            </a:effectRef>
+            <a:fontRef idx="minor">
+              <a:schemeClr val="lt1"/>
+            </a:fontRef>
+          </p:style>
+          <p:txBody>
+            <a:bodyPr rtlCol="0" anchor="ctr"/>
+            <a:lstStyle/>
+            <a:p>
+              <a:pPr algn="ctr"/>
+              <a:endParaRPr lang="en-US"/>
+            </a:p>
+          </p:txBody>
+        </p:sp>
+        <p:sp>
+          <p:nvSpPr>
+            <p:cNvPr id="11" name="Rectángulo 10">
+              <a:extLst>
+                <a:ext uri="{FF2B5EF4-FFF2-40B4-BE49-F238E27FC236}">
+                  <a16:creationId xmlns:a16="http://schemas.microsoft.com/office/drawing/2014/main" id="{EF6C787C-1013-1FF2-F612-948BCD4C8FA9}"/>
+                </a:ext>
+              </a:extLst>
+            </p:cNvPr>
+            <p:cNvSpPr/>
+            <p:nvPr/>
+          </p:nvSpPr>
+          <p:spPr>
+            <a:xfrm>
+              <a:off x="4340278" y="3509962"/>
+              <a:ext cx="484161" cy="3157538"/>
+            </a:xfrm>
+            <a:prstGeom prst="rect">
+              <a:avLst/>
+            </a:prstGeom>
+            <a:noFill/>
+            <a:ln w="28575">
+              <a:solidFill>
+                <a:srgbClr val="C00000"/>
+              </a:solidFill>
+            </a:ln>
+          </p:spPr>
+          <p:style>
+            <a:lnRef idx="2">
+              <a:schemeClr val="accent1">
+                <a:shade val="50000"/>
+              </a:schemeClr>
+            </a:lnRef>
+            <a:fillRef idx="1">
+              <a:schemeClr val="accent1"/>
+            </a:fillRef>
+            <a:effectRef idx="0">
+              <a:schemeClr val="accent1"/>
+            </a:effectRef>
+            <a:fontRef idx="minor">
+              <a:schemeClr val="lt1"/>
+            </a:fontRef>
+          </p:style>
+          <p:txBody>
+            <a:bodyPr rtlCol="0" anchor="ctr"/>
+            <a:lstStyle/>
+            <a:p>
+              <a:pPr algn="ctr"/>
+              <a:endParaRPr lang="en-US"/>
+            </a:p>
+          </p:txBody>
+        </p:sp>
+        <p:cxnSp>
+          <p:nvCxnSpPr>
+            <p:cNvPr id="12" name="Conector recto de flecha 11">
+              <a:extLst>
+                <a:ext uri="{FF2B5EF4-FFF2-40B4-BE49-F238E27FC236}">
+                  <a16:creationId xmlns:a16="http://schemas.microsoft.com/office/drawing/2014/main" id="{888992F2-C33D-6FB2-FB2C-8A58835B3940}"/>
+                </a:ext>
+              </a:extLst>
+            </p:cNvPr>
+            <p:cNvCxnSpPr>
+              <a:cxnSpLocks/>
+            </p:cNvCxnSpPr>
+            <p:nvPr/>
+          </p:nvCxnSpPr>
+          <p:spPr>
+            <a:xfrm flipH="1">
+              <a:off x="2715208" y="1409700"/>
+              <a:ext cx="4516016" cy="2196239"/>
+            </a:xfrm>
+            <a:prstGeom prst="straightConnector1">
+              <a:avLst/>
+            </a:prstGeom>
+            <a:ln w="6350">
               <a:solidFill>
                 <a:schemeClr val="bg2">
-                  <a:lumMod val="10000"/>
+                  <a:lumMod val="25000"/>
                 </a:schemeClr>
               </a:solidFill>
-            </a:endParaRPr>
-          </a:p>
-        </p:txBody>
-      </p:sp>
-      <p:cxnSp>
-        <p:nvCxnSpPr>
-          <p:cNvPr id="5" name="Conector recto de flecha 4">
-            <a:extLst>
-              <a:ext uri="{FF2B5EF4-FFF2-40B4-BE49-F238E27FC236}">
-                <a16:creationId xmlns:a16="http://schemas.microsoft.com/office/drawing/2014/main" id="{2F8AB4D3-C0CC-0C1E-4825-BAAA765E6E76}"/>
-              </a:ext>
-            </a:extLst>
-          </p:cNvPr>
-          <p:cNvCxnSpPr>
-            <a:cxnSpLocks/>
-          </p:cNvCxnSpPr>
-          <p:nvPr/>
-        </p:nvCxnSpPr>
-        <p:spPr>
-          <a:xfrm>
-            <a:off x="380779" y="2414775"/>
-            <a:ext cx="1340877" cy="1191164"/>
-          </a:xfrm>
-          <a:prstGeom prst="straightConnector1">
-            <a:avLst/>
-          </a:prstGeom>
-          <a:ln w="6350">
-            <a:solidFill>
-              <a:schemeClr val="bg2">
-                <a:lumMod val="25000"/>
-              </a:schemeClr>
-            </a:solidFill>
-            <a:tailEnd type="triangle"/>
-          </a:ln>
-        </p:spPr>
-        <p:style>
-          <a:lnRef idx="1">
-            <a:schemeClr val="accent3"/>
-          </a:lnRef>
-          <a:fillRef idx="0">
-            <a:schemeClr val="accent3"/>
-          </a:fillRef>
-          <a:effectRef idx="0">
-            <a:schemeClr val="accent3"/>
-          </a:effectRef>
-          <a:fontRef idx="minor">
-            <a:schemeClr val="tx1"/>
-          </a:fontRef>
-        </p:style>
-      </p:cxnSp>
-      <p:sp>
-        <p:nvSpPr>
-          <p:cNvPr id="6" name="Rectángulo 5">
-            <a:extLst>
-              <a:ext uri="{FF2B5EF4-FFF2-40B4-BE49-F238E27FC236}">
-                <a16:creationId xmlns:a16="http://schemas.microsoft.com/office/drawing/2014/main" id="{FBF1C320-0E1C-4CB3-E69C-BC89C1030E39}"/>
-              </a:ext>
-            </a:extLst>
-          </p:cNvPr>
-          <p:cNvSpPr/>
-          <p:nvPr/>
-        </p:nvSpPr>
-        <p:spPr>
-          <a:xfrm>
-            <a:off x="834224" y="1838199"/>
-            <a:ext cx="1167296" cy="307777"/>
-          </a:xfrm>
-          <a:prstGeom prst="rect">
-            <a:avLst/>
-          </a:prstGeom>
-          <a:noFill/>
-          <a:ln w="28575">
-            <a:solidFill>
-              <a:srgbClr val="C00000"/>
-            </a:solidFill>
-          </a:ln>
-        </p:spPr>
-        <p:style>
-          <a:lnRef idx="2">
-            <a:schemeClr val="accent1">
-              <a:shade val="50000"/>
-            </a:schemeClr>
-          </a:lnRef>
-          <a:fillRef idx="1">
-            <a:schemeClr val="accent1"/>
-          </a:fillRef>
-          <a:effectRef idx="0">
-            <a:schemeClr val="accent1"/>
-          </a:effectRef>
-          <a:fontRef idx="minor">
-            <a:schemeClr val="lt1"/>
-          </a:fontRef>
-        </p:style>
-        <p:txBody>
-          <a:bodyPr rtlCol="0" anchor="ctr"/>
-          <a:lstStyle/>
-          <a:p>
-            <a:pPr algn="ctr"/>
-            <a:endParaRPr lang="en-US"/>
-          </a:p>
-        </p:txBody>
-      </p:sp>
+              <a:tailEnd type="triangle"/>
+            </a:ln>
+          </p:spPr>
+          <p:style>
+            <a:lnRef idx="1">
+              <a:schemeClr val="accent3"/>
+            </a:lnRef>
+            <a:fillRef idx="0">
+              <a:schemeClr val="accent3"/>
+            </a:fillRef>
+            <a:effectRef idx="0">
+              <a:schemeClr val="accent3"/>
+            </a:effectRef>
+            <a:fontRef idx="minor">
+              <a:schemeClr val="tx1"/>
+            </a:fontRef>
+          </p:style>
+        </p:cxnSp>
+        <p:cxnSp>
+          <p:nvCxnSpPr>
+            <p:cNvPr id="15" name="Conector recto de flecha 14">
+              <a:extLst>
+                <a:ext uri="{FF2B5EF4-FFF2-40B4-BE49-F238E27FC236}">
+                  <a16:creationId xmlns:a16="http://schemas.microsoft.com/office/drawing/2014/main" id="{31314395-0704-D223-01CD-AE58E13345A2}"/>
+                </a:ext>
+              </a:extLst>
+            </p:cNvPr>
+            <p:cNvCxnSpPr>
+              <a:cxnSpLocks/>
+            </p:cNvCxnSpPr>
+            <p:nvPr/>
+          </p:nvCxnSpPr>
+          <p:spPr>
+            <a:xfrm flipH="1">
+              <a:off x="4582358" y="1409700"/>
+              <a:ext cx="3556052" cy="2196239"/>
+            </a:xfrm>
+            <a:prstGeom prst="straightConnector1">
+              <a:avLst/>
+            </a:prstGeom>
+            <a:ln w="6350">
+              <a:solidFill>
+                <a:schemeClr val="bg2">
+                  <a:lumMod val="25000"/>
+                </a:schemeClr>
+              </a:solidFill>
+              <a:tailEnd type="triangle"/>
+            </a:ln>
+          </p:spPr>
+          <p:style>
+            <a:lnRef idx="1">
+              <a:schemeClr val="accent3"/>
+            </a:lnRef>
+            <a:fillRef idx="0">
+              <a:schemeClr val="accent3"/>
+            </a:fillRef>
+            <a:effectRef idx="0">
+              <a:schemeClr val="accent3"/>
+            </a:effectRef>
+            <a:fontRef idx="minor">
+              <a:schemeClr val="tx1"/>
+            </a:fontRef>
+          </p:style>
+        </p:cxnSp>
+      </p:grpSp>
     </p:spTree>
     <p:extLst>
       <p:ext uri="{BB962C8B-B14F-4D97-AF65-F5344CB8AC3E}">
@@ -4917,79 +6324,66 @@
           <a:chExt cx="0" cy="0"/>
         </a:xfrm>
       </p:grpSpPr>
-      <p:sp>
-        <p:nvSpPr>
-          <p:cNvPr id="4" name="CuadroTexto 3">
-            <a:extLst>
-              <a:ext uri="{FF2B5EF4-FFF2-40B4-BE49-F238E27FC236}">
-                <a16:creationId xmlns:a16="http://schemas.microsoft.com/office/drawing/2014/main" id="{D4B964EE-EF62-18F3-6FF7-A9B8F3782AF8}"/>
-              </a:ext>
-            </a:extLst>
-          </p:cNvPr>
-          <p:cNvSpPr txBox="1"/>
+      <p:pic>
+        <p:nvPicPr>
+          <p:cNvPr id="10" name="Imagen 9">
+            <a:extLst>
+              <a:ext uri="{FF2B5EF4-FFF2-40B4-BE49-F238E27FC236}">
+                <a16:creationId xmlns:a16="http://schemas.microsoft.com/office/drawing/2014/main" id="{EB455A4E-6250-5CEF-CD1A-6E20AE0BECAC}"/>
+              </a:ext>
+            </a:extLst>
+          </p:cNvPr>
+          <p:cNvPicPr>
+            <a:picLocks noChangeAspect="1"/>
+          </p:cNvPicPr>
           <p:nvPr/>
-        </p:nvSpPr>
+        </p:nvPicPr>
+        <p:blipFill>
+          <a:blip r:embed="rId2"/>
+          <a:stretch>
+            <a:fillRect/>
+          </a:stretch>
+        </p:blipFill>
         <p:spPr>
           <a:xfrm>
-            <a:off x="496199" y="607351"/>
-            <a:ext cx="1666997" cy="307777"/>
+            <a:off x="-2003122" y="1100126"/>
+            <a:ext cx="7852329" cy="4657748"/>
           </a:xfrm>
           <a:prstGeom prst="rect">
             <a:avLst/>
           </a:prstGeom>
-          <a:noFill/>
         </p:spPr>
-        <p:txBody>
-          <a:bodyPr wrap="square" rtlCol="0">
-            <a:spAutoFit/>
-          </a:bodyPr>
-          <a:lstStyle>
-            <a:defPPr>
-              <a:defRPr lang="en-US"/>
-            </a:defPPr>
-            <a:lvl1pPr algn="ctr">
-              <a:defRPr sz="1100" b="1">
-                <a:solidFill>
-                  <a:schemeClr val="bg2">
-                    <a:lumMod val="25000"/>
-                  </a:schemeClr>
-                </a:solidFill>
-                <a:latin typeface="Segoe UI Light" panose="020B0502040204020203" pitchFamily="34" charset="0"/>
-                <a:cs typeface="Segoe UI Light" panose="020B0502040204020203" pitchFamily="34" charset="0"/>
-              </a:defRPr>
-            </a:lvl1pPr>
-          </a:lstStyle>
-          <a:p>
-            <a:r>
-              <a:rPr lang="es-VE" sz="1400" dirty="0" err="1">
-                <a:solidFill>
-                  <a:schemeClr val="bg2">
-                    <a:lumMod val="10000"/>
-                  </a:schemeClr>
-                </a:solidFill>
-              </a:rPr>
-              <a:t>Sediment</a:t>
-            </a:r>
-            <a:r>
-              <a:rPr lang="es-VE" sz="1400" dirty="0">
-                <a:solidFill>
-                  <a:schemeClr val="bg2">
-                    <a:lumMod val="10000"/>
-                  </a:schemeClr>
-                </a:solidFill>
-              </a:rPr>
-              <a:t> Data</a:t>
-            </a:r>
-            <a:endParaRPr lang="es-VE" sz="1200" baseline="-25000" dirty="0">
-              <a:solidFill>
-                <a:schemeClr val="bg2">
-                  <a:lumMod val="10000"/>
-                </a:schemeClr>
-              </a:solidFill>
-            </a:endParaRPr>
-          </a:p>
-        </p:txBody>
-      </p:sp>
+      </p:pic>
+      <p:pic>
+        <p:nvPicPr>
+          <p:cNvPr id="12" name="Imagen 11">
+            <a:extLst>
+              <a:ext uri="{FF2B5EF4-FFF2-40B4-BE49-F238E27FC236}">
+                <a16:creationId xmlns:a16="http://schemas.microsoft.com/office/drawing/2014/main" id="{F0B0FCF5-93E4-6884-D11A-A6E9D32667A5}"/>
+              </a:ext>
+            </a:extLst>
+          </p:cNvPr>
+          <p:cNvPicPr>
+            <a:picLocks noChangeAspect="1"/>
+          </p:cNvPicPr>
+          <p:nvPr/>
+        </p:nvPicPr>
+        <p:blipFill>
+          <a:blip r:embed="rId3"/>
+          <a:stretch>
+            <a:fillRect/>
+          </a:stretch>
+        </p:blipFill>
+        <p:spPr>
+          <a:xfrm>
+            <a:off x="5849207" y="1100126"/>
+            <a:ext cx="7852329" cy="4657748"/>
+          </a:xfrm>
+          <a:prstGeom prst="rect">
+            <a:avLst/>
+          </a:prstGeom>
+        </p:spPr>
+      </p:pic>
       <p:cxnSp>
         <p:nvCxnSpPr>
           <p:cNvPr id="5" name="Conector recto de flecha 4">
@@ -5006,8 +6400,8 @@
         </p:nvCxnSpPr>
         <p:spPr>
           <a:xfrm>
-            <a:off x="380779" y="2414775"/>
-            <a:ext cx="1340877" cy="1191164"/>
+            <a:off x="9854979" y="2668814"/>
+            <a:ext cx="0" cy="1941286"/>
           </a:xfrm>
           <a:prstGeom prst="straightConnector1">
             <a:avLst/>
@@ -5018,7 +6412,8 @@
                 <a:lumMod val="25000"/>
               </a:schemeClr>
             </a:solidFill>
-            <a:tailEnd type="triangle"/>
+            <a:headEnd type="triangle" w="med" len="med"/>
+            <a:tailEnd type="triangle" w="med" len="med"/>
           </a:ln>
         </p:spPr>
         <p:style>
@@ -5036,58 +6431,6 @@
           </a:fontRef>
         </p:style>
       </p:cxnSp>
-      <p:sp>
-        <p:nvSpPr>
-          <p:cNvPr id="6" name="Rectángulo 5">
-            <a:extLst>
-              <a:ext uri="{FF2B5EF4-FFF2-40B4-BE49-F238E27FC236}">
-                <a16:creationId xmlns:a16="http://schemas.microsoft.com/office/drawing/2014/main" id="{FBF1C320-0E1C-4CB3-E69C-BC89C1030E39}"/>
-              </a:ext>
-            </a:extLst>
-          </p:cNvPr>
-          <p:cNvSpPr/>
-          <p:nvPr/>
-        </p:nvSpPr>
-        <p:spPr>
-          <a:xfrm>
-            <a:off x="834224" y="1838199"/>
-            <a:ext cx="1167296" cy="307777"/>
-          </a:xfrm>
-          <a:prstGeom prst="rect">
-            <a:avLst/>
-          </a:prstGeom>
-          <a:noFill/>
-          <a:ln w="28575">
-            <a:solidFill>
-              <a:srgbClr val="C00000"/>
-            </a:solidFill>
-          </a:ln>
-        </p:spPr>
-        <p:style>
-          <a:lnRef idx="2">
-            <a:schemeClr val="accent1">
-              <a:shade val="50000"/>
-            </a:schemeClr>
-          </a:lnRef>
-          <a:fillRef idx="1">
-            <a:schemeClr val="accent1"/>
-          </a:fillRef>
-          <a:effectRef idx="0">
-            <a:schemeClr val="accent1"/>
-          </a:effectRef>
-          <a:fontRef idx="minor">
-            <a:schemeClr val="lt1"/>
-          </a:fontRef>
-        </p:style>
-        <p:txBody>
-          <a:bodyPr rtlCol="0" anchor="ctr"/>
-          <a:lstStyle/>
-          <a:p>
-            <a:pPr algn="ctr"/>
-            <a:endParaRPr lang="en-US"/>
-          </a:p>
-        </p:txBody>
-      </p:sp>
     </p:spTree>
     <p:extLst>
       <p:ext uri="{BB962C8B-B14F-4D97-AF65-F5344CB8AC3E}">
@@ -5118,177 +6461,185 @@
           <a:chExt cx="0" cy="0"/>
         </a:xfrm>
       </p:grpSpPr>
-      <p:sp>
-        <p:nvSpPr>
-          <p:cNvPr id="4" name="CuadroTexto 3">
-            <a:extLst>
-              <a:ext uri="{FF2B5EF4-FFF2-40B4-BE49-F238E27FC236}">
-                <a16:creationId xmlns:a16="http://schemas.microsoft.com/office/drawing/2014/main" id="{D4B964EE-EF62-18F3-6FF7-A9B8F3782AF8}"/>
-              </a:ext>
-            </a:extLst>
-          </p:cNvPr>
-          <p:cNvSpPr txBox="1"/>
+      <p:grpSp>
+        <p:nvGrpSpPr>
+          <p:cNvPr id="10" name="Grupo 9">
+            <a:extLst>
+              <a:ext uri="{FF2B5EF4-FFF2-40B4-BE49-F238E27FC236}">
+                <a16:creationId xmlns:a16="http://schemas.microsoft.com/office/drawing/2014/main" id="{2F74C773-26E5-9612-E812-AC709B5CFC00}"/>
+              </a:ext>
+            </a:extLst>
+          </p:cNvPr>
+          <p:cNvGrpSpPr/>
           <p:nvPr/>
-        </p:nvSpPr>
-        <p:spPr>
+        </p:nvGrpSpPr>
+        <p:grpSpPr>
           <a:xfrm>
-            <a:off x="496199" y="607351"/>
-            <a:ext cx="1666997" cy="307777"/>
+            <a:off x="727961" y="607585"/>
+            <a:ext cx="10930639" cy="6067287"/>
+            <a:chOff x="727961" y="607585"/>
+            <a:chExt cx="10930639" cy="6067287"/>
           </a:xfrm>
-          <a:prstGeom prst="rect">
-            <a:avLst/>
-          </a:prstGeom>
-          <a:noFill/>
-        </p:spPr>
-        <p:txBody>
-          <a:bodyPr wrap="square" rtlCol="0">
-            <a:spAutoFit/>
-          </a:bodyPr>
-          <a:lstStyle>
-            <a:defPPr>
-              <a:defRPr lang="en-US"/>
-            </a:defPPr>
-            <a:lvl1pPr algn="ctr">
-              <a:defRPr sz="1100" b="1">
-                <a:solidFill>
-                  <a:schemeClr val="bg2">
-                    <a:lumMod val="25000"/>
-                  </a:schemeClr>
-                </a:solidFill>
-                <a:latin typeface="Segoe UI Light" panose="020B0502040204020203" pitchFamily="34" charset="0"/>
-                <a:cs typeface="Segoe UI Light" panose="020B0502040204020203" pitchFamily="34" charset="0"/>
-              </a:defRPr>
-            </a:lvl1pPr>
-          </a:lstStyle>
-          <a:p>
-            <a:r>
-              <a:rPr lang="es-VE" sz="1400" dirty="0" err="1">
-                <a:solidFill>
-                  <a:schemeClr val="bg2">
-                    <a:lumMod val="10000"/>
-                  </a:schemeClr>
-                </a:solidFill>
-              </a:rPr>
-              <a:t>Sediment</a:t>
-            </a:r>
-            <a:r>
-              <a:rPr lang="es-VE" sz="1400" dirty="0">
-                <a:solidFill>
-                  <a:schemeClr val="bg2">
-                    <a:lumMod val="10000"/>
-                  </a:schemeClr>
-                </a:solidFill>
-              </a:rPr>
-              <a:t> Data</a:t>
-            </a:r>
-            <a:endParaRPr lang="es-VE" sz="1200" baseline="-25000" dirty="0">
+        </p:grpSpPr>
+        <p:pic>
+          <p:nvPicPr>
+            <p:cNvPr id="3" name="Imagen 2">
+              <a:extLst>
+                <a:ext uri="{FF2B5EF4-FFF2-40B4-BE49-F238E27FC236}">
+                  <a16:creationId xmlns:a16="http://schemas.microsoft.com/office/drawing/2014/main" id="{142D0C9D-F9E8-B335-A64B-3B24F5EA045E}"/>
+                </a:ext>
+              </a:extLst>
+            </p:cNvPr>
+            <p:cNvPicPr>
+              <a:picLocks noChangeAspect="1"/>
+            </p:cNvPicPr>
+            <p:nvPr/>
+          </p:nvPicPr>
+          <p:blipFill>
+            <a:blip r:embed="rId2"/>
+            <a:stretch>
+              <a:fillRect/>
+            </a:stretch>
+          </p:blipFill>
+          <p:spPr>
+            <a:xfrm>
+              <a:off x="727961" y="607585"/>
+              <a:ext cx="8203639" cy="2402772"/>
+            </a:xfrm>
+            <a:prstGeom prst="rect">
+              <a:avLst/>
+            </a:prstGeom>
+          </p:spPr>
+        </p:pic>
+        <p:sp>
+          <p:nvSpPr>
+            <p:cNvPr id="6" name="Rectángulo 5">
+              <a:extLst>
+                <a:ext uri="{FF2B5EF4-FFF2-40B4-BE49-F238E27FC236}">
+                  <a16:creationId xmlns:a16="http://schemas.microsoft.com/office/drawing/2014/main" id="{FBF1C320-0E1C-4CB3-E69C-BC89C1030E39}"/>
+                </a:ext>
+              </a:extLst>
+            </p:cNvPr>
+            <p:cNvSpPr/>
+            <p:nvPr/>
+          </p:nvSpPr>
+          <p:spPr>
+            <a:xfrm>
+              <a:off x="2287665" y="1069005"/>
+              <a:ext cx="353935" cy="264496"/>
+            </a:xfrm>
+            <a:prstGeom prst="rect">
+              <a:avLst/>
+            </a:prstGeom>
+            <a:noFill/>
+            <a:ln w="28575">
+              <a:solidFill>
+                <a:srgbClr val="C00000"/>
+              </a:solidFill>
+            </a:ln>
+          </p:spPr>
+          <p:style>
+            <a:lnRef idx="2">
+              <a:schemeClr val="accent1">
+                <a:shade val="50000"/>
+              </a:schemeClr>
+            </a:lnRef>
+            <a:fillRef idx="1">
+              <a:schemeClr val="accent1"/>
+            </a:fillRef>
+            <a:effectRef idx="0">
+              <a:schemeClr val="accent1"/>
+            </a:effectRef>
+            <a:fontRef idx="minor">
+              <a:schemeClr val="lt1"/>
+            </a:fontRef>
+          </p:style>
+          <p:txBody>
+            <a:bodyPr rtlCol="0" anchor="ctr"/>
+            <a:lstStyle/>
+            <a:p>
+              <a:pPr algn="ctr"/>
+              <a:endParaRPr lang="en-US"/>
+            </a:p>
+          </p:txBody>
+        </p:sp>
+        <p:pic>
+          <p:nvPicPr>
+            <p:cNvPr id="8" name="Imagen 7">
+              <a:extLst>
+                <a:ext uri="{FF2B5EF4-FFF2-40B4-BE49-F238E27FC236}">
+                  <a16:creationId xmlns:a16="http://schemas.microsoft.com/office/drawing/2014/main" id="{F4241F9F-F018-B581-97EB-2AB6A9FDE5AC}"/>
+                </a:ext>
+              </a:extLst>
+            </p:cNvPr>
+            <p:cNvPicPr>
+              <a:picLocks noChangeAspect="1"/>
+            </p:cNvPicPr>
+            <p:nvPr/>
+          </p:nvPicPr>
+          <p:blipFill>
+            <a:blip r:embed="rId3"/>
+            <a:stretch>
+              <a:fillRect/>
+            </a:stretch>
+          </p:blipFill>
+          <p:spPr>
+            <a:xfrm>
+              <a:off x="3454961" y="1838199"/>
+              <a:ext cx="8203639" cy="4836673"/>
+            </a:xfrm>
+            <a:prstGeom prst="rect">
+              <a:avLst/>
+            </a:prstGeom>
+          </p:spPr>
+        </p:pic>
+        <p:cxnSp>
+          <p:nvCxnSpPr>
+            <p:cNvPr id="5" name="Conector recto de flecha 4">
+              <a:extLst>
+                <a:ext uri="{FF2B5EF4-FFF2-40B4-BE49-F238E27FC236}">
+                  <a16:creationId xmlns:a16="http://schemas.microsoft.com/office/drawing/2014/main" id="{2F8AB4D3-C0CC-0C1E-4825-BAAA765E6E76}"/>
+                </a:ext>
+              </a:extLst>
+            </p:cNvPr>
+            <p:cNvCxnSpPr>
+              <a:cxnSpLocks/>
+            </p:cNvCxnSpPr>
+            <p:nvPr/>
+          </p:nvCxnSpPr>
+          <p:spPr>
+            <a:xfrm>
+              <a:off x="2464632" y="1333501"/>
+              <a:ext cx="1332668" cy="711199"/>
+            </a:xfrm>
+            <a:prstGeom prst="straightConnector1">
+              <a:avLst/>
+            </a:prstGeom>
+            <a:ln w="6350">
               <a:solidFill>
                 <a:schemeClr val="bg2">
-                  <a:lumMod val="10000"/>
+                  <a:lumMod val="25000"/>
                 </a:schemeClr>
               </a:solidFill>
-            </a:endParaRPr>
-          </a:p>
-        </p:txBody>
-      </p:sp>
-      <p:cxnSp>
-        <p:nvCxnSpPr>
-          <p:cNvPr id="5" name="Conector recto de flecha 4">
-            <a:extLst>
-              <a:ext uri="{FF2B5EF4-FFF2-40B4-BE49-F238E27FC236}">
-                <a16:creationId xmlns:a16="http://schemas.microsoft.com/office/drawing/2014/main" id="{2F8AB4D3-C0CC-0C1E-4825-BAAA765E6E76}"/>
-              </a:ext>
-            </a:extLst>
-          </p:cNvPr>
-          <p:cNvCxnSpPr>
-            <a:cxnSpLocks/>
-          </p:cNvCxnSpPr>
-          <p:nvPr/>
-        </p:nvCxnSpPr>
-        <p:spPr>
-          <a:xfrm>
-            <a:off x="380779" y="2414775"/>
-            <a:ext cx="1340877" cy="1191164"/>
-          </a:xfrm>
-          <a:prstGeom prst="straightConnector1">
-            <a:avLst/>
-          </a:prstGeom>
-          <a:ln w="6350">
-            <a:solidFill>
-              <a:schemeClr val="bg2">
-                <a:lumMod val="25000"/>
-              </a:schemeClr>
-            </a:solidFill>
-            <a:tailEnd type="triangle"/>
-          </a:ln>
-        </p:spPr>
-        <p:style>
-          <a:lnRef idx="1">
-            <a:schemeClr val="accent3"/>
-          </a:lnRef>
-          <a:fillRef idx="0">
-            <a:schemeClr val="accent3"/>
-          </a:fillRef>
-          <a:effectRef idx="0">
-            <a:schemeClr val="accent3"/>
-          </a:effectRef>
-          <a:fontRef idx="minor">
-            <a:schemeClr val="tx1"/>
-          </a:fontRef>
-        </p:style>
-      </p:cxnSp>
-      <p:sp>
-        <p:nvSpPr>
-          <p:cNvPr id="6" name="Rectángulo 5">
-            <a:extLst>
-              <a:ext uri="{FF2B5EF4-FFF2-40B4-BE49-F238E27FC236}">
-                <a16:creationId xmlns:a16="http://schemas.microsoft.com/office/drawing/2014/main" id="{FBF1C320-0E1C-4CB3-E69C-BC89C1030E39}"/>
-              </a:ext>
-            </a:extLst>
-          </p:cNvPr>
-          <p:cNvSpPr/>
-          <p:nvPr/>
-        </p:nvSpPr>
-        <p:spPr>
-          <a:xfrm>
-            <a:off x="834224" y="1838199"/>
-            <a:ext cx="1167296" cy="307777"/>
-          </a:xfrm>
-          <a:prstGeom prst="rect">
-            <a:avLst/>
-          </a:prstGeom>
-          <a:noFill/>
-          <a:ln w="28575">
-            <a:solidFill>
-              <a:srgbClr val="C00000"/>
-            </a:solidFill>
-          </a:ln>
-        </p:spPr>
-        <p:style>
-          <a:lnRef idx="2">
-            <a:schemeClr val="accent1">
-              <a:shade val="50000"/>
-            </a:schemeClr>
-          </a:lnRef>
-          <a:fillRef idx="1">
-            <a:schemeClr val="accent1"/>
-          </a:fillRef>
-          <a:effectRef idx="0">
-            <a:schemeClr val="accent1"/>
-          </a:effectRef>
-          <a:fontRef idx="minor">
-            <a:schemeClr val="lt1"/>
-          </a:fontRef>
-        </p:style>
-        <p:txBody>
-          <a:bodyPr rtlCol="0" anchor="ctr"/>
-          <a:lstStyle/>
-          <a:p>
-            <a:pPr algn="ctr"/>
-            <a:endParaRPr lang="en-US"/>
-          </a:p>
-        </p:txBody>
-      </p:sp>
+              <a:tailEnd type="triangle"/>
+            </a:ln>
+          </p:spPr>
+          <p:style>
+            <a:lnRef idx="1">
+              <a:schemeClr val="accent3"/>
+            </a:lnRef>
+            <a:fillRef idx="0">
+              <a:schemeClr val="accent3"/>
+            </a:fillRef>
+            <a:effectRef idx="0">
+              <a:schemeClr val="accent3"/>
+            </a:effectRef>
+            <a:fontRef idx="minor">
+              <a:schemeClr val="tx1"/>
+            </a:fontRef>
+          </p:style>
+        </p:cxnSp>
+      </p:grpSp>
     </p:spTree>
     <p:extLst>
       <p:ext uri="{BB962C8B-B14F-4D97-AF65-F5344CB8AC3E}">
@@ -5319,177 +6670,109 @@
           <a:chExt cx="0" cy="0"/>
         </a:xfrm>
       </p:grpSpPr>
-      <p:sp>
-        <p:nvSpPr>
-          <p:cNvPr id="4" name="CuadroTexto 3">
-            <a:extLst>
-              <a:ext uri="{FF2B5EF4-FFF2-40B4-BE49-F238E27FC236}">
-                <a16:creationId xmlns:a16="http://schemas.microsoft.com/office/drawing/2014/main" id="{D4B964EE-EF62-18F3-6FF7-A9B8F3782AF8}"/>
-              </a:ext>
-            </a:extLst>
-          </p:cNvPr>
-          <p:cNvSpPr txBox="1"/>
+      <p:grpSp>
+        <p:nvGrpSpPr>
+          <p:cNvPr id="7" name="Grupo 6">
+            <a:extLst>
+              <a:ext uri="{FF2B5EF4-FFF2-40B4-BE49-F238E27FC236}">
+                <a16:creationId xmlns:a16="http://schemas.microsoft.com/office/drawing/2014/main" id="{04FDECEE-615A-9C6A-DC2C-70D4C36FC89A}"/>
+              </a:ext>
+            </a:extLst>
+          </p:cNvPr>
+          <p:cNvGrpSpPr/>
           <p:nvPr/>
-        </p:nvSpPr>
-        <p:spPr>
+        </p:nvGrpSpPr>
+        <p:grpSpPr>
           <a:xfrm>
-            <a:off x="496199" y="607351"/>
-            <a:ext cx="1666997" cy="307777"/>
+            <a:off x="259101" y="0"/>
+            <a:ext cx="11673798" cy="6858000"/>
+            <a:chOff x="259101" y="0"/>
+            <a:chExt cx="11673798" cy="6858000"/>
           </a:xfrm>
-          <a:prstGeom prst="rect">
-            <a:avLst/>
-          </a:prstGeom>
-          <a:noFill/>
-        </p:spPr>
-        <p:txBody>
-          <a:bodyPr wrap="square" rtlCol="0">
-            <a:spAutoFit/>
-          </a:bodyPr>
-          <a:lstStyle>
-            <a:defPPr>
-              <a:defRPr lang="en-US"/>
-            </a:defPPr>
-            <a:lvl1pPr algn="ctr">
-              <a:defRPr sz="1100" b="1">
-                <a:solidFill>
-                  <a:schemeClr val="bg2">
-                    <a:lumMod val="25000"/>
-                  </a:schemeClr>
-                </a:solidFill>
-                <a:latin typeface="Segoe UI Light" panose="020B0502040204020203" pitchFamily="34" charset="0"/>
-                <a:cs typeface="Segoe UI Light" panose="020B0502040204020203" pitchFamily="34" charset="0"/>
-              </a:defRPr>
-            </a:lvl1pPr>
-          </a:lstStyle>
-          <a:p>
-            <a:r>
-              <a:rPr lang="es-VE" sz="1400" dirty="0" err="1">
-                <a:solidFill>
-                  <a:schemeClr val="bg2">
-                    <a:lumMod val="10000"/>
-                  </a:schemeClr>
-                </a:solidFill>
-              </a:rPr>
-              <a:t>Sediment</a:t>
-            </a:r>
-            <a:r>
-              <a:rPr lang="es-VE" sz="1400" dirty="0">
-                <a:solidFill>
-                  <a:schemeClr val="bg2">
-                    <a:lumMod val="10000"/>
-                  </a:schemeClr>
-                </a:solidFill>
-              </a:rPr>
-              <a:t> Data</a:t>
-            </a:r>
-            <a:endParaRPr lang="es-VE" sz="1200" baseline="-25000" dirty="0">
+        </p:grpSpPr>
+        <p:pic>
+          <p:nvPicPr>
+            <p:cNvPr id="3" name="Imagen 2">
+              <a:extLst>
+                <a:ext uri="{FF2B5EF4-FFF2-40B4-BE49-F238E27FC236}">
+                  <a16:creationId xmlns:a16="http://schemas.microsoft.com/office/drawing/2014/main" id="{E035D7F0-28F1-4D0D-1E19-CFBFACF1F3E4}"/>
+                </a:ext>
+              </a:extLst>
+            </p:cNvPr>
+            <p:cNvPicPr>
+              <a:picLocks noChangeAspect="1"/>
+            </p:cNvPicPr>
+            <p:nvPr/>
+          </p:nvPicPr>
+          <p:blipFill>
+            <a:blip r:embed="rId2"/>
+            <a:stretch>
+              <a:fillRect/>
+            </a:stretch>
+          </p:blipFill>
+          <p:spPr>
+            <a:xfrm>
+              <a:off x="259101" y="0"/>
+              <a:ext cx="11673798" cy="6858000"/>
+            </a:xfrm>
+            <a:prstGeom prst="rect">
+              <a:avLst/>
+            </a:prstGeom>
+          </p:spPr>
+        </p:pic>
+        <p:sp>
+          <p:nvSpPr>
+            <p:cNvPr id="6" name="Rectángulo 5">
+              <a:extLst>
+                <a:ext uri="{FF2B5EF4-FFF2-40B4-BE49-F238E27FC236}">
+                  <a16:creationId xmlns:a16="http://schemas.microsoft.com/office/drawing/2014/main" id="{FBF1C320-0E1C-4CB3-E69C-BC89C1030E39}"/>
+                </a:ext>
+              </a:extLst>
+            </p:cNvPr>
+            <p:cNvSpPr/>
+            <p:nvPr/>
+          </p:nvSpPr>
+          <p:spPr>
+            <a:xfrm>
+              <a:off x="3780624" y="915128"/>
+              <a:ext cx="2924976" cy="888272"/>
+            </a:xfrm>
+            <a:prstGeom prst="rect">
+              <a:avLst/>
+            </a:prstGeom>
+            <a:noFill/>
+            <a:ln w="28575">
               <a:solidFill>
-                <a:schemeClr val="bg2">
-                  <a:lumMod val="10000"/>
-                </a:schemeClr>
+                <a:srgbClr val="C00000"/>
               </a:solidFill>
-            </a:endParaRPr>
-          </a:p>
-        </p:txBody>
-      </p:sp>
-      <p:cxnSp>
-        <p:nvCxnSpPr>
-          <p:cNvPr id="5" name="Conector recto de flecha 4">
-            <a:extLst>
-              <a:ext uri="{FF2B5EF4-FFF2-40B4-BE49-F238E27FC236}">
-                <a16:creationId xmlns:a16="http://schemas.microsoft.com/office/drawing/2014/main" id="{2F8AB4D3-C0CC-0C1E-4825-BAAA765E6E76}"/>
-              </a:ext>
-            </a:extLst>
-          </p:cNvPr>
-          <p:cNvCxnSpPr>
-            <a:cxnSpLocks/>
-          </p:cNvCxnSpPr>
-          <p:nvPr/>
-        </p:nvCxnSpPr>
-        <p:spPr>
-          <a:xfrm>
-            <a:off x="380779" y="2414775"/>
-            <a:ext cx="1340877" cy="1191164"/>
-          </a:xfrm>
-          <a:prstGeom prst="straightConnector1">
-            <a:avLst/>
-          </a:prstGeom>
-          <a:ln w="6350">
-            <a:solidFill>
-              <a:schemeClr val="bg2">
-                <a:lumMod val="25000"/>
+            </a:ln>
+          </p:spPr>
+          <p:style>
+            <a:lnRef idx="2">
+              <a:schemeClr val="accent1">
+                <a:shade val="50000"/>
               </a:schemeClr>
-            </a:solidFill>
-            <a:tailEnd type="triangle"/>
-          </a:ln>
-        </p:spPr>
-        <p:style>
-          <a:lnRef idx="1">
-            <a:schemeClr val="accent3"/>
-          </a:lnRef>
-          <a:fillRef idx="0">
-            <a:schemeClr val="accent3"/>
-          </a:fillRef>
-          <a:effectRef idx="0">
-            <a:schemeClr val="accent3"/>
-          </a:effectRef>
-          <a:fontRef idx="minor">
-            <a:schemeClr val="tx1"/>
-          </a:fontRef>
-        </p:style>
-      </p:cxnSp>
-      <p:sp>
-        <p:nvSpPr>
-          <p:cNvPr id="6" name="Rectángulo 5">
-            <a:extLst>
-              <a:ext uri="{FF2B5EF4-FFF2-40B4-BE49-F238E27FC236}">
-                <a16:creationId xmlns:a16="http://schemas.microsoft.com/office/drawing/2014/main" id="{FBF1C320-0E1C-4CB3-E69C-BC89C1030E39}"/>
-              </a:ext>
-            </a:extLst>
-          </p:cNvPr>
-          <p:cNvSpPr/>
-          <p:nvPr/>
-        </p:nvSpPr>
-        <p:spPr>
-          <a:xfrm>
-            <a:off x="834224" y="1838199"/>
-            <a:ext cx="1167296" cy="307777"/>
-          </a:xfrm>
-          <a:prstGeom prst="rect">
-            <a:avLst/>
-          </a:prstGeom>
-          <a:noFill/>
-          <a:ln w="28575">
-            <a:solidFill>
-              <a:srgbClr val="C00000"/>
-            </a:solidFill>
-          </a:ln>
-        </p:spPr>
-        <p:style>
-          <a:lnRef idx="2">
-            <a:schemeClr val="accent1">
-              <a:shade val="50000"/>
-            </a:schemeClr>
-          </a:lnRef>
-          <a:fillRef idx="1">
-            <a:schemeClr val="accent1"/>
-          </a:fillRef>
-          <a:effectRef idx="0">
-            <a:schemeClr val="accent1"/>
-          </a:effectRef>
-          <a:fontRef idx="minor">
-            <a:schemeClr val="lt1"/>
-          </a:fontRef>
-        </p:style>
-        <p:txBody>
-          <a:bodyPr rtlCol="0" anchor="ctr"/>
-          <a:lstStyle/>
-          <a:p>
-            <a:pPr algn="ctr"/>
-            <a:endParaRPr lang="en-US"/>
-          </a:p>
-        </p:txBody>
-      </p:sp>
+            </a:lnRef>
+            <a:fillRef idx="1">
+              <a:schemeClr val="accent1"/>
+            </a:fillRef>
+            <a:effectRef idx="0">
+              <a:schemeClr val="accent1"/>
+            </a:effectRef>
+            <a:fontRef idx="minor">
+              <a:schemeClr val="lt1"/>
+            </a:fontRef>
+          </p:style>
+          <p:txBody>
+            <a:bodyPr rtlCol="0" anchor="ctr"/>
+            <a:lstStyle/>
+            <a:p>
+              <a:pPr algn="ctr"/>
+              <a:endParaRPr lang="en-US"/>
+            </a:p>
+          </p:txBody>
+        </p:sp>
+      </p:grpSp>
     </p:spTree>
     <p:extLst>
       <p:ext uri="{BB962C8B-B14F-4D97-AF65-F5344CB8AC3E}">
@@ -5520,181 +6803,241 @@
           <a:chExt cx="0" cy="0"/>
         </a:xfrm>
       </p:grpSpPr>
-      <p:sp>
-        <p:nvSpPr>
-          <p:cNvPr id="4" name="CuadroTexto 3">
-            <a:extLst>
-              <a:ext uri="{FF2B5EF4-FFF2-40B4-BE49-F238E27FC236}">
-                <a16:creationId xmlns:a16="http://schemas.microsoft.com/office/drawing/2014/main" id="{D4B964EE-EF62-18F3-6FF7-A9B8F3782AF8}"/>
-              </a:ext>
-            </a:extLst>
-          </p:cNvPr>
-          <p:cNvSpPr txBox="1"/>
+      <p:grpSp>
+        <p:nvGrpSpPr>
+          <p:cNvPr id="9" name="Grupo 8">
+            <a:extLst>
+              <a:ext uri="{FF2B5EF4-FFF2-40B4-BE49-F238E27FC236}">
+                <a16:creationId xmlns:a16="http://schemas.microsoft.com/office/drawing/2014/main" id="{73036C17-70AB-CCED-9A5C-0E11832AB2EE}"/>
+              </a:ext>
+            </a:extLst>
+          </p:cNvPr>
+          <p:cNvGrpSpPr/>
           <p:nvPr/>
-        </p:nvSpPr>
-        <p:spPr>
+        </p:nvGrpSpPr>
+        <p:grpSpPr>
           <a:xfrm>
-            <a:off x="496199" y="607351"/>
-            <a:ext cx="1666997" cy="307777"/>
+            <a:off x="727961" y="430422"/>
+            <a:ext cx="8986316" cy="5875694"/>
+            <a:chOff x="727961" y="430422"/>
+            <a:chExt cx="8986316" cy="5875694"/>
           </a:xfrm>
-          <a:prstGeom prst="rect">
-            <a:avLst/>
-          </a:prstGeom>
-          <a:noFill/>
-        </p:spPr>
-        <p:txBody>
-          <a:bodyPr wrap="square" rtlCol="0">
-            <a:spAutoFit/>
-          </a:bodyPr>
-          <a:lstStyle>
-            <a:defPPr>
-              <a:defRPr lang="en-US"/>
-            </a:defPPr>
-            <a:lvl1pPr algn="ctr">
-              <a:defRPr sz="1100" b="1">
-                <a:solidFill>
-                  <a:schemeClr val="bg2">
-                    <a:lumMod val="25000"/>
-                  </a:schemeClr>
-                </a:solidFill>
-                <a:latin typeface="Segoe UI Light" panose="020B0502040204020203" pitchFamily="34" charset="0"/>
-                <a:cs typeface="Segoe UI Light" panose="020B0502040204020203" pitchFamily="34" charset="0"/>
-              </a:defRPr>
-            </a:lvl1pPr>
-          </a:lstStyle>
-          <a:p>
-            <a:r>
-              <a:rPr lang="es-VE" sz="1400" dirty="0" err="1">
-                <a:solidFill>
-                  <a:schemeClr val="bg2">
-                    <a:lumMod val="10000"/>
-                  </a:schemeClr>
-                </a:solidFill>
-              </a:rPr>
-              <a:t>Sediment</a:t>
-            </a:r>
-            <a:r>
-              <a:rPr lang="es-VE" sz="1400" dirty="0">
-                <a:solidFill>
-                  <a:schemeClr val="bg2">
-                    <a:lumMod val="10000"/>
-                  </a:schemeClr>
-                </a:solidFill>
-              </a:rPr>
-              <a:t> Data</a:t>
-            </a:r>
-            <a:endParaRPr lang="es-VE" sz="1200" baseline="-25000" dirty="0">
+        </p:grpSpPr>
+        <p:pic>
+          <p:nvPicPr>
+            <p:cNvPr id="3" name="Imagen 2">
+              <a:extLst>
+                <a:ext uri="{FF2B5EF4-FFF2-40B4-BE49-F238E27FC236}">
+                  <a16:creationId xmlns:a16="http://schemas.microsoft.com/office/drawing/2014/main" id="{142D0C9D-F9E8-B335-A64B-3B24F5EA045E}"/>
+                </a:ext>
+              </a:extLst>
+            </p:cNvPr>
+            <p:cNvPicPr>
+              <a:picLocks noChangeAspect="1"/>
+            </p:cNvPicPr>
+            <p:nvPr/>
+          </p:nvPicPr>
+          <p:blipFill>
+            <a:blip r:embed="rId2"/>
+            <a:stretch>
+              <a:fillRect/>
+            </a:stretch>
+          </p:blipFill>
+          <p:spPr>
+            <a:xfrm>
+              <a:off x="727961" y="430422"/>
+              <a:ext cx="8808516" cy="2579935"/>
+            </a:xfrm>
+            <a:prstGeom prst="rect">
+              <a:avLst/>
+            </a:prstGeom>
+          </p:spPr>
+        </p:pic>
+        <p:pic>
+          <p:nvPicPr>
+            <p:cNvPr id="2" name="Imagen 1">
+              <a:extLst>
+                <a:ext uri="{FF2B5EF4-FFF2-40B4-BE49-F238E27FC236}">
+                  <a16:creationId xmlns:a16="http://schemas.microsoft.com/office/drawing/2014/main" id="{0FE46C09-CD50-778B-FAF3-53032393B0FA}"/>
+                </a:ext>
+              </a:extLst>
+            </p:cNvPr>
+            <p:cNvPicPr>
+              <a:picLocks noChangeAspect="1"/>
+            </p:cNvPicPr>
+            <p:nvPr/>
+          </p:nvPicPr>
+          <p:blipFill>
+            <a:blip r:embed="rId3"/>
+            <a:stretch>
+              <a:fillRect/>
+            </a:stretch>
+          </p:blipFill>
+          <p:spPr>
+            <a:xfrm>
+              <a:off x="4484322" y="2247900"/>
+              <a:ext cx="5229955" cy="4058216"/>
+            </a:xfrm>
+            <a:prstGeom prst="rect">
+              <a:avLst/>
+            </a:prstGeom>
+          </p:spPr>
+        </p:pic>
+        <p:sp>
+          <p:nvSpPr>
+            <p:cNvPr id="6" name="Rectángulo 5">
+              <a:extLst>
+                <a:ext uri="{FF2B5EF4-FFF2-40B4-BE49-F238E27FC236}">
+                  <a16:creationId xmlns:a16="http://schemas.microsoft.com/office/drawing/2014/main" id="{FBF1C320-0E1C-4CB3-E69C-BC89C1030E39}"/>
+                </a:ext>
+              </a:extLst>
+            </p:cNvPr>
+            <p:cNvSpPr/>
+            <p:nvPr/>
+          </p:nvSpPr>
+          <p:spPr>
+            <a:xfrm>
+              <a:off x="3620333" y="916605"/>
+              <a:ext cx="291268" cy="226395"/>
+            </a:xfrm>
+            <a:prstGeom prst="rect">
+              <a:avLst/>
+            </a:prstGeom>
+            <a:noFill/>
+            <a:ln w="28575">
+              <a:solidFill>
+                <a:srgbClr val="C00000"/>
+              </a:solidFill>
+            </a:ln>
+          </p:spPr>
+          <p:style>
+            <a:lnRef idx="2">
+              <a:schemeClr val="accent1">
+                <a:shade val="50000"/>
+              </a:schemeClr>
+            </a:lnRef>
+            <a:fillRef idx="1">
+              <a:schemeClr val="accent1"/>
+            </a:fillRef>
+            <a:effectRef idx="0">
+              <a:schemeClr val="accent1"/>
+            </a:effectRef>
+            <a:fontRef idx="minor">
+              <a:schemeClr val="lt1"/>
+            </a:fontRef>
+          </p:style>
+          <p:txBody>
+            <a:bodyPr rtlCol="0" anchor="ctr"/>
+            <a:lstStyle/>
+            <a:p>
+              <a:pPr algn="ctr"/>
+              <a:endParaRPr lang="en-US"/>
+            </a:p>
+          </p:txBody>
+        </p:sp>
+        <p:cxnSp>
+          <p:nvCxnSpPr>
+            <p:cNvPr id="5" name="Conector recto de flecha 4">
+              <a:extLst>
+                <a:ext uri="{FF2B5EF4-FFF2-40B4-BE49-F238E27FC236}">
+                  <a16:creationId xmlns:a16="http://schemas.microsoft.com/office/drawing/2014/main" id="{2F8AB4D3-C0CC-0C1E-4825-BAAA765E6E76}"/>
+                </a:ext>
+              </a:extLst>
+            </p:cNvPr>
+            <p:cNvCxnSpPr>
+              <a:cxnSpLocks/>
+            </p:cNvCxnSpPr>
+            <p:nvPr/>
+          </p:nvCxnSpPr>
+          <p:spPr>
+            <a:xfrm>
+              <a:off x="3911601" y="1273583"/>
+              <a:ext cx="939799" cy="1161697"/>
+            </a:xfrm>
+            <a:prstGeom prst="straightConnector1">
+              <a:avLst/>
+            </a:prstGeom>
+            <a:ln w="6350">
               <a:solidFill>
                 <a:schemeClr val="bg2">
-                  <a:lumMod val="10000"/>
+                  <a:lumMod val="25000"/>
                 </a:schemeClr>
               </a:solidFill>
-            </a:endParaRPr>
-          </a:p>
-        </p:txBody>
-      </p:sp>
-      <p:cxnSp>
-        <p:nvCxnSpPr>
-          <p:cNvPr id="5" name="Conector recto de flecha 4">
-            <a:extLst>
-              <a:ext uri="{FF2B5EF4-FFF2-40B4-BE49-F238E27FC236}">
-                <a16:creationId xmlns:a16="http://schemas.microsoft.com/office/drawing/2014/main" id="{2F8AB4D3-C0CC-0C1E-4825-BAAA765E6E76}"/>
-              </a:ext>
-            </a:extLst>
-          </p:cNvPr>
-          <p:cNvCxnSpPr>
-            <a:cxnSpLocks/>
-          </p:cNvCxnSpPr>
-          <p:nvPr/>
-        </p:nvCxnSpPr>
-        <p:spPr>
-          <a:xfrm>
-            <a:off x="380779" y="2414775"/>
-            <a:ext cx="1340877" cy="1191164"/>
-          </a:xfrm>
-          <a:prstGeom prst="straightConnector1">
-            <a:avLst/>
-          </a:prstGeom>
-          <a:ln w="6350">
-            <a:solidFill>
-              <a:schemeClr val="bg2">
-                <a:lumMod val="25000"/>
+              <a:tailEnd type="triangle"/>
+            </a:ln>
+          </p:spPr>
+          <p:style>
+            <a:lnRef idx="1">
+              <a:schemeClr val="accent3"/>
+            </a:lnRef>
+            <a:fillRef idx="0">
+              <a:schemeClr val="accent3"/>
+            </a:fillRef>
+            <a:effectRef idx="0">
+              <a:schemeClr val="accent3"/>
+            </a:effectRef>
+            <a:fontRef idx="minor">
+              <a:schemeClr val="tx1"/>
+            </a:fontRef>
+          </p:style>
+        </p:cxnSp>
+        <p:sp>
+          <p:nvSpPr>
+            <p:cNvPr id="7" name="Rectángulo 6">
+              <a:extLst>
+                <a:ext uri="{FF2B5EF4-FFF2-40B4-BE49-F238E27FC236}">
+                  <a16:creationId xmlns:a16="http://schemas.microsoft.com/office/drawing/2014/main" id="{1A9FB36B-F3D5-5C60-DD11-C08C98AD00F8}"/>
+                </a:ext>
+              </a:extLst>
+            </p:cNvPr>
+            <p:cNvSpPr/>
+            <p:nvPr/>
+          </p:nvSpPr>
+          <p:spPr>
+            <a:xfrm>
+              <a:off x="4560131" y="5717205"/>
+              <a:ext cx="5154145" cy="315295"/>
+            </a:xfrm>
+            <a:prstGeom prst="rect">
+              <a:avLst/>
+            </a:prstGeom>
+            <a:noFill/>
+            <a:ln w="28575">
+              <a:solidFill>
+                <a:srgbClr val="C00000"/>
+              </a:solidFill>
+            </a:ln>
+          </p:spPr>
+          <p:style>
+            <a:lnRef idx="2">
+              <a:schemeClr val="accent1">
+                <a:shade val="50000"/>
               </a:schemeClr>
-            </a:solidFill>
-            <a:tailEnd type="triangle"/>
-          </a:ln>
-        </p:spPr>
-        <p:style>
-          <a:lnRef idx="1">
-            <a:schemeClr val="accent3"/>
-          </a:lnRef>
-          <a:fillRef idx="0">
-            <a:schemeClr val="accent3"/>
-          </a:fillRef>
-          <a:effectRef idx="0">
-            <a:schemeClr val="accent3"/>
-          </a:effectRef>
-          <a:fontRef idx="minor">
-            <a:schemeClr val="tx1"/>
-          </a:fontRef>
-        </p:style>
-      </p:cxnSp>
-      <p:sp>
-        <p:nvSpPr>
-          <p:cNvPr id="6" name="Rectángulo 5">
-            <a:extLst>
-              <a:ext uri="{FF2B5EF4-FFF2-40B4-BE49-F238E27FC236}">
-                <a16:creationId xmlns:a16="http://schemas.microsoft.com/office/drawing/2014/main" id="{FBF1C320-0E1C-4CB3-E69C-BC89C1030E39}"/>
-              </a:ext>
-            </a:extLst>
-          </p:cNvPr>
-          <p:cNvSpPr/>
-          <p:nvPr/>
-        </p:nvSpPr>
-        <p:spPr>
-          <a:xfrm>
-            <a:off x="834224" y="1838199"/>
-            <a:ext cx="1167296" cy="307777"/>
-          </a:xfrm>
-          <a:prstGeom prst="rect">
-            <a:avLst/>
-          </a:prstGeom>
-          <a:noFill/>
-          <a:ln w="28575">
-            <a:solidFill>
-              <a:srgbClr val="C00000"/>
-            </a:solidFill>
-          </a:ln>
-        </p:spPr>
-        <p:style>
-          <a:lnRef idx="2">
-            <a:schemeClr val="accent1">
-              <a:shade val="50000"/>
-            </a:schemeClr>
-          </a:lnRef>
-          <a:fillRef idx="1">
-            <a:schemeClr val="accent1"/>
-          </a:fillRef>
-          <a:effectRef idx="0">
-            <a:schemeClr val="accent1"/>
-          </a:effectRef>
-          <a:fontRef idx="minor">
-            <a:schemeClr val="lt1"/>
-          </a:fontRef>
-        </p:style>
-        <p:txBody>
-          <a:bodyPr rtlCol="0" anchor="ctr"/>
-          <a:lstStyle/>
-          <a:p>
-            <a:pPr algn="ctr"/>
-            <a:endParaRPr lang="en-US"/>
-          </a:p>
-        </p:txBody>
-      </p:sp>
+            </a:lnRef>
+            <a:fillRef idx="1">
+              <a:schemeClr val="accent1"/>
+            </a:fillRef>
+            <a:effectRef idx="0">
+              <a:schemeClr val="accent1"/>
+            </a:effectRef>
+            <a:fontRef idx="minor">
+              <a:schemeClr val="lt1"/>
+            </a:fontRef>
+          </p:style>
+          <p:txBody>
+            <a:bodyPr rtlCol="0" anchor="ctr"/>
+            <a:lstStyle/>
+            <a:p>
+              <a:pPr algn="ctr"/>
+              <a:endParaRPr lang="en-US"/>
+            </a:p>
+          </p:txBody>
+        </p:sp>
+      </p:grpSp>
     </p:spTree>
     <p:extLst>
       <p:ext uri="{BB962C8B-B14F-4D97-AF65-F5344CB8AC3E}">
-        <p14:creationId xmlns:p14="http://schemas.microsoft.com/office/powerpoint/2010/main" val="2549107091"/>
+        <p14:creationId xmlns:p14="http://schemas.microsoft.com/office/powerpoint/2010/main" val="4177791149"/>
       </p:ext>
     </p:extLst>
   </p:cSld>
@@ -5721,181 +7064,392 @@
           <a:chExt cx="0" cy="0"/>
         </a:xfrm>
       </p:grpSpPr>
-      <p:sp>
-        <p:nvSpPr>
-          <p:cNvPr id="4" name="CuadroTexto 3">
-            <a:extLst>
-              <a:ext uri="{FF2B5EF4-FFF2-40B4-BE49-F238E27FC236}">
-                <a16:creationId xmlns:a16="http://schemas.microsoft.com/office/drawing/2014/main" id="{D4B964EE-EF62-18F3-6FF7-A9B8F3782AF8}"/>
-              </a:ext>
-            </a:extLst>
-          </p:cNvPr>
-          <p:cNvSpPr txBox="1"/>
+      <p:grpSp>
+        <p:nvGrpSpPr>
+          <p:cNvPr id="16" name="Grupo 15">
+            <a:extLst>
+              <a:ext uri="{FF2B5EF4-FFF2-40B4-BE49-F238E27FC236}">
+                <a16:creationId xmlns:a16="http://schemas.microsoft.com/office/drawing/2014/main" id="{E3A8086C-6591-83E8-EB2C-1F692593529B}"/>
+              </a:ext>
+            </a:extLst>
+          </p:cNvPr>
+          <p:cNvGrpSpPr/>
           <p:nvPr/>
-        </p:nvSpPr>
-        <p:spPr>
+        </p:nvGrpSpPr>
+        <p:grpSpPr>
           <a:xfrm>
-            <a:off x="496199" y="607351"/>
-            <a:ext cx="1666997" cy="307777"/>
+            <a:off x="635000" y="334018"/>
+            <a:ext cx="11111601" cy="6523079"/>
+            <a:chOff x="635000" y="334018"/>
+            <a:chExt cx="11111601" cy="6523079"/>
           </a:xfrm>
-          <a:prstGeom prst="rect">
-            <a:avLst/>
-          </a:prstGeom>
-          <a:noFill/>
-        </p:spPr>
-        <p:txBody>
-          <a:bodyPr wrap="square" rtlCol="0">
-            <a:spAutoFit/>
-          </a:bodyPr>
-          <a:lstStyle>
-            <a:defPPr>
-              <a:defRPr lang="en-US"/>
-            </a:defPPr>
-            <a:lvl1pPr algn="ctr">
-              <a:defRPr sz="1100" b="1">
-                <a:solidFill>
-                  <a:schemeClr val="bg2">
-                    <a:lumMod val="25000"/>
-                  </a:schemeClr>
-                </a:solidFill>
-                <a:latin typeface="Segoe UI Light" panose="020B0502040204020203" pitchFamily="34" charset="0"/>
-                <a:cs typeface="Segoe UI Light" panose="020B0502040204020203" pitchFamily="34" charset="0"/>
-              </a:defRPr>
-            </a:lvl1pPr>
-          </a:lstStyle>
-          <a:p>
-            <a:r>
-              <a:rPr lang="es-VE" sz="1400" dirty="0" err="1">
-                <a:solidFill>
-                  <a:schemeClr val="bg2">
-                    <a:lumMod val="10000"/>
-                  </a:schemeClr>
-                </a:solidFill>
-              </a:rPr>
-              <a:t>Sediment</a:t>
-            </a:r>
-            <a:r>
-              <a:rPr lang="es-VE" sz="1400" dirty="0">
-                <a:solidFill>
-                  <a:schemeClr val="bg2">
-                    <a:lumMod val="10000"/>
-                  </a:schemeClr>
-                </a:solidFill>
-              </a:rPr>
-              <a:t> Data</a:t>
-            </a:r>
-            <a:endParaRPr lang="es-VE" sz="1200" baseline="-25000" dirty="0">
+        </p:grpSpPr>
+        <p:pic>
+          <p:nvPicPr>
+            <p:cNvPr id="4" name="Imagen 3">
+              <a:extLst>
+                <a:ext uri="{FF2B5EF4-FFF2-40B4-BE49-F238E27FC236}">
+                  <a16:creationId xmlns:a16="http://schemas.microsoft.com/office/drawing/2014/main" id="{BBCE41D5-C6C4-5159-0C9B-C043C7E38941}"/>
+                </a:ext>
+              </a:extLst>
+            </p:cNvPr>
+            <p:cNvPicPr>
+              <a:picLocks noChangeAspect="1"/>
+            </p:cNvPicPr>
+            <p:nvPr/>
+          </p:nvPicPr>
+          <p:blipFill>
+            <a:blip r:embed="rId2"/>
+            <a:stretch>
+              <a:fillRect/>
+            </a:stretch>
+          </p:blipFill>
+          <p:spPr>
+            <a:xfrm>
+              <a:off x="3659161" y="334018"/>
+              <a:ext cx="8087440" cy="4256547"/>
+            </a:xfrm>
+            <a:prstGeom prst="rect">
+              <a:avLst/>
+            </a:prstGeom>
+          </p:spPr>
+        </p:pic>
+        <p:pic>
+          <p:nvPicPr>
+            <p:cNvPr id="7" name="Imagen 6">
+              <a:extLst>
+                <a:ext uri="{FF2B5EF4-FFF2-40B4-BE49-F238E27FC236}">
+                  <a16:creationId xmlns:a16="http://schemas.microsoft.com/office/drawing/2014/main" id="{00782450-7985-B927-61B2-9C8CA20C8922}"/>
+                </a:ext>
+              </a:extLst>
+            </p:cNvPr>
+            <p:cNvPicPr>
+              <a:picLocks noChangeAspect="1"/>
+            </p:cNvPicPr>
+            <p:nvPr/>
+          </p:nvPicPr>
+          <p:blipFill>
+            <a:blip r:embed="rId3"/>
+            <a:stretch>
+              <a:fillRect/>
+            </a:stretch>
+          </p:blipFill>
+          <p:spPr>
+            <a:xfrm>
+              <a:off x="635000" y="3191639"/>
+              <a:ext cx="8462034" cy="3665458"/>
+            </a:xfrm>
+            <a:prstGeom prst="rect">
+              <a:avLst/>
+            </a:prstGeom>
+          </p:spPr>
+        </p:pic>
+        <p:sp>
+          <p:nvSpPr>
+            <p:cNvPr id="6" name="Rectángulo 5">
+              <a:extLst>
+                <a:ext uri="{FF2B5EF4-FFF2-40B4-BE49-F238E27FC236}">
+                  <a16:creationId xmlns:a16="http://schemas.microsoft.com/office/drawing/2014/main" id="{FBF1C320-0E1C-4CB3-E69C-BC89C1030E39}"/>
+                </a:ext>
+              </a:extLst>
+            </p:cNvPr>
+            <p:cNvSpPr/>
+            <p:nvPr/>
+          </p:nvSpPr>
+          <p:spPr>
+            <a:xfrm>
+              <a:off x="6904824" y="915128"/>
+              <a:ext cx="702476" cy="494572"/>
+            </a:xfrm>
+            <a:prstGeom prst="rect">
+              <a:avLst/>
+            </a:prstGeom>
+            <a:noFill/>
+            <a:ln w="28575">
+              <a:solidFill>
+                <a:srgbClr val="C00000"/>
+              </a:solidFill>
+            </a:ln>
+          </p:spPr>
+          <p:style>
+            <a:lnRef idx="2">
+              <a:schemeClr val="accent1">
+                <a:shade val="50000"/>
+              </a:schemeClr>
+            </a:lnRef>
+            <a:fillRef idx="1">
+              <a:schemeClr val="accent1"/>
+            </a:fillRef>
+            <a:effectRef idx="0">
+              <a:schemeClr val="accent1"/>
+            </a:effectRef>
+            <a:fontRef idx="minor">
+              <a:schemeClr val="lt1"/>
+            </a:fontRef>
+          </p:style>
+          <p:txBody>
+            <a:bodyPr rtlCol="0" anchor="ctr"/>
+            <a:lstStyle/>
+            <a:p>
+              <a:pPr algn="ctr"/>
+              <a:endParaRPr lang="en-US"/>
+            </a:p>
+          </p:txBody>
+        </p:sp>
+        <p:sp>
+          <p:nvSpPr>
+            <p:cNvPr id="9" name="Rectángulo 8">
+              <a:extLst>
+                <a:ext uri="{FF2B5EF4-FFF2-40B4-BE49-F238E27FC236}">
+                  <a16:creationId xmlns:a16="http://schemas.microsoft.com/office/drawing/2014/main" id="{80CB39C5-3353-04E6-EC96-5D82C832F8B6}"/>
+                </a:ext>
+              </a:extLst>
+            </p:cNvPr>
+            <p:cNvSpPr/>
+            <p:nvPr/>
+          </p:nvSpPr>
+          <p:spPr>
+            <a:xfrm>
+              <a:off x="7607300" y="915128"/>
+              <a:ext cx="1016000" cy="494572"/>
+            </a:xfrm>
+            <a:prstGeom prst="rect">
+              <a:avLst/>
+            </a:prstGeom>
+            <a:noFill/>
+            <a:ln w="28575">
+              <a:solidFill>
+                <a:srgbClr val="C00000"/>
+              </a:solidFill>
+            </a:ln>
+          </p:spPr>
+          <p:style>
+            <a:lnRef idx="2">
+              <a:schemeClr val="accent1">
+                <a:shade val="50000"/>
+              </a:schemeClr>
+            </a:lnRef>
+            <a:fillRef idx="1">
+              <a:schemeClr val="accent1"/>
+            </a:fillRef>
+            <a:effectRef idx="0">
+              <a:schemeClr val="accent1"/>
+            </a:effectRef>
+            <a:fontRef idx="minor">
+              <a:schemeClr val="lt1"/>
+            </a:fontRef>
+          </p:style>
+          <p:txBody>
+            <a:bodyPr rtlCol="0" anchor="ctr"/>
+            <a:lstStyle/>
+            <a:p>
+              <a:pPr algn="ctr"/>
+              <a:endParaRPr lang="en-US"/>
+            </a:p>
+          </p:txBody>
+        </p:sp>
+        <p:sp>
+          <p:nvSpPr>
+            <p:cNvPr id="10" name="Rectángulo 9">
+              <a:extLst>
+                <a:ext uri="{FF2B5EF4-FFF2-40B4-BE49-F238E27FC236}">
+                  <a16:creationId xmlns:a16="http://schemas.microsoft.com/office/drawing/2014/main" id="{93FED047-2DF8-6E17-F33E-38223B42D26B}"/>
+                </a:ext>
+              </a:extLst>
+            </p:cNvPr>
+            <p:cNvSpPr/>
+            <p:nvPr/>
+          </p:nvSpPr>
+          <p:spPr>
+            <a:xfrm>
+              <a:off x="2944839" y="3509962"/>
+              <a:ext cx="484161" cy="3157537"/>
+            </a:xfrm>
+            <a:prstGeom prst="rect">
+              <a:avLst/>
+            </a:prstGeom>
+            <a:noFill/>
+            <a:ln w="28575">
+              <a:solidFill>
+                <a:srgbClr val="C00000"/>
+              </a:solidFill>
+            </a:ln>
+          </p:spPr>
+          <p:style>
+            <a:lnRef idx="2">
+              <a:schemeClr val="accent1">
+                <a:shade val="50000"/>
+              </a:schemeClr>
+            </a:lnRef>
+            <a:fillRef idx="1">
+              <a:schemeClr val="accent1"/>
+            </a:fillRef>
+            <a:effectRef idx="0">
+              <a:schemeClr val="accent1"/>
+            </a:effectRef>
+            <a:fontRef idx="minor">
+              <a:schemeClr val="lt1"/>
+            </a:fontRef>
+          </p:style>
+          <p:txBody>
+            <a:bodyPr rtlCol="0" anchor="ctr"/>
+            <a:lstStyle/>
+            <a:p>
+              <a:pPr algn="ctr"/>
+              <a:endParaRPr lang="en-US"/>
+            </a:p>
+          </p:txBody>
+        </p:sp>
+        <p:sp>
+          <p:nvSpPr>
+            <p:cNvPr id="11" name="Rectángulo 10">
+              <a:extLst>
+                <a:ext uri="{FF2B5EF4-FFF2-40B4-BE49-F238E27FC236}">
+                  <a16:creationId xmlns:a16="http://schemas.microsoft.com/office/drawing/2014/main" id="{EF6C787C-1013-1FF2-F612-948BCD4C8FA9}"/>
+                </a:ext>
+              </a:extLst>
+            </p:cNvPr>
+            <p:cNvSpPr/>
+            <p:nvPr/>
+          </p:nvSpPr>
+          <p:spPr>
+            <a:xfrm>
+              <a:off x="4810178" y="3509962"/>
+              <a:ext cx="484161" cy="3157538"/>
+            </a:xfrm>
+            <a:prstGeom prst="rect">
+              <a:avLst/>
+            </a:prstGeom>
+            <a:noFill/>
+            <a:ln w="28575">
+              <a:solidFill>
+                <a:srgbClr val="C00000"/>
+              </a:solidFill>
+            </a:ln>
+          </p:spPr>
+          <p:style>
+            <a:lnRef idx="2">
+              <a:schemeClr val="accent1">
+                <a:shade val="50000"/>
+              </a:schemeClr>
+            </a:lnRef>
+            <a:fillRef idx="1">
+              <a:schemeClr val="accent1"/>
+            </a:fillRef>
+            <a:effectRef idx="0">
+              <a:schemeClr val="accent1"/>
+            </a:effectRef>
+            <a:fontRef idx="minor">
+              <a:schemeClr val="lt1"/>
+            </a:fontRef>
+          </p:style>
+          <p:txBody>
+            <a:bodyPr rtlCol="0" anchor="ctr"/>
+            <a:lstStyle/>
+            <a:p>
+              <a:pPr algn="ctr"/>
+              <a:endParaRPr lang="en-US"/>
+            </a:p>
+          </p:txBody>
+        </p:sp>
+        <p:cxnSp>
+          <p:nvCxnSpPr>
+            <p:cNvPr id="12" name="Conector recto de flecha 11">
+              <a:extLst>
+                <a:ext uri="{FF2B5EF4-FFF2-40B4-BE49-F238E27FC236}">
+                  <a16:creationId xmlns:a16="http://schemas.microsoft.com/office/drawing/2014/main" id="{888992F2-C33D-6FB2-FB2C-8A58835B3940}"/>
+                </a:ext>
+              </a:extLst>
+            </p:cNvPr>
+            <p:cNvCxnSpPr>
+              <a:cxnSpLocks/>
+            </p:cNvCxnSpPr>
+            <p:nvPr/>
+          </p:nvCxnSpPr>
+          <p:spPr>
+            <a:xfrm flipH="1">
+              <a:off x="3186919" y="1409700"/>
+              <a:ext cx="4044305" cy="2019300"/>
+            </a:xfrm>
+            <a:prstGeom prst="straightConnector1">
+              <a:avLst/>
+            </a:prstGeom>
+            <a:ln w="6350">
               <a:solidFill>
                 <a:schemeClr val="bg2">
-                  <a:lumMod val="10000"/>
+                  <a:lumMod val="25000"/>
                 </a:schemeClr>
               </a:solidFill>
-            </a:endParaRPr>
-          </a:p>
-        </p:txBody>
-      </p:sp>
-      <p:cxnSp>
-        <p:nvCxnSpPr>
-          <p:cNvPr id="5" name="Conector recto de flecha 4">
-            <a:extLst>
-              <a:ext uri="{FF2B5EF4-FFF2-40B4-BE49-F238E27FC236}">
-                <a16:creationId xmlns:a16="http://schemas.microsoft.com/office/drawing/2014/main" id="{2F8AB4D3-C0CC-0C1E-4825-BAAA765E6E76}"/>
-              </a:ext>
-            </a:extLst>
-          </p:cNvPr>
-          <p:cNvCxnSpPr>
-            <a:cxnSpLocks/>
-          </p:cNvCxnSpPr>
-          <p:nvPr/>
-        </p:nvCxnSpPr>
-        <p:spPr>
-          <a:xfrm>
-            <a:off x="380779" y="2414775"/>
-            <a:ext cx="1340877" cy="1191164"/>
-          </a:xfrm>
-          <a:prstGeom prst="straightConnector1">
-            <a:avLst/>
-          </a:prstGeom>
-          <a:ln w="6350">
-            <a:solidFill>
-              <a:schemeClr val="bg2">
-                <a:lumMod val="25000"/>
-              </a:schemeClr>
-            </a:solidFill>
-            <a:tailEnd type="triangle"/>
-          </a:ln>
-        </p:spPr>
-        <p:style>
-          <a:lnRef idx="1">
-            <a:schemeClr val="accent3"/>
-          </a:lnRef>
-          <a:fillRef idx="0">
-            <a:schemeClr val="accent3"/>
-          </a:fillRef>
-          <a:effectRef idx="0">
-            <a:schemeClr val="accent3"/>
-          </a:effectRef>
-          <a:fontRef idx="minor">
-            <a:schemeClr val="tx1"/>
-          </a:fontRef>
-        </p:style>
-      </p:cxnSp>
-      <p:sp>
-        <p:nvSpPr>
-          <p:cNvPr id="6" name="Rectángulo 5">
-            <a:extLst>
-              <a:ext uri="{FF2B5EF4-FFF2-40B4-BE49-F238E27FC236}">
-                <a16:creationId xmlns:a16="http://schemas.microsoft.com/office/drawing/2014/main" id="{FBF1C320-0E1C-4CB3-E69C-BC89C1030E39}"/>
-              </a:ext>
-            </a:extLst>
-          </p:cNvPr>
-          <p:cNvSpPr/>
-          <p:nvPr/>
-        </p:nvSpPr>
-        <p:spPr>
-          <a:xfrm>
-            <a:off x="834224" y="1838199"/>
-            <a:ext cx="1167296" cy="307777"/>
-          </a:xfrm>
-          <a:prstGeom prst="rect">
-            <a:avLst/>
-          </a:prstGeom>
-          <a:noFill/>
-          <a:ln w="28575">
-            <a:solidFill>
-              <a:srgbClr val="C00000"/>
-            </a:solidFill>
-          </a:ln>
-        </p:spPr>
-        <p:style>
-          <a:lnRef idx="2">
-            <a:schemeClr val="accent1">
-              <a:shade val="50000"/>
-            </a:schemeClr>
-          </a:lnRef>
-          <a:fillRef idx="1">
-            <a:schemeClr val="accent1"/>
-          </a:fillRef>
-          <a:effectRef idx="0">
-            <a:schemeClr val="accent1"/>
-          </a:effectRef>
-          <a:fontRef idx="minor">
-            <a:schemeClr val="lt1"/>
-          </a:fontRef>
-        </p:style>
-        <p:txBody>
-          <a:bodyPr rtlCol="0" anchor="ctr"/>
-          <a:lstStyle/>
-          <a:p>
-            <a:pPr algn="ctr"/>
-            <a:endParaRPr lang="en-US"/>
-          </a:p>
-        </p:txBody>
-      </p:sp>
+              <a:tailEnd type="triangle"/>
+            </a:ln>
+          </p:spPr>
+          <p:style>
+            <a:lnRef idx="1">
+              <a:schemeClr val="accent3"/>
+            </a:lnRef>
+            <a:fillRef idx="0">
+              <a:schemeClr val="accent3"/>
+            </a:fillRef>
+            <a:effectRef idx="0">
+              <a:schemeClr val="accent3"/>
+            </a:effectRef>
+            <a:fontRef idx="minor">
+              <a:schemeClr val="tx1"/>
+            </a:fontRef>
+          </p:style>
+        </p:cxnSp>
+        <p:cxnSp>
+          <p:nvCxnSpPr>
+            <p:cNvPr id="15" name="Conector recto de flecha 14">
+              <a:extLst>
+                <a:ext uri="{FF2B5EF4-FFF2-40B4-BE49-F238E27FC236}">
+                  <a16:creationId xmlns:a16="http://schemas.microsoft.com/office/drawing/2014/main" id="{31314395-0704-D223-01CD-AE58E13345A2}"/>
+                </a:ext>
+              </a:extLst>
+            </p:cNvPr>
+            <p:cNvCxnSpPr>
+              <a:cxnSpLocks/>
+              <a:endCxn id="11" idx="0"/>
+            </p:cNvCxnSpPr>
+            <p:nvPr/>
+          </p:nvCxnSpPr>
+          <p:spPr>
+            <a:xfrm flipH="1">
+              <a:off x="5052259" y="1409700"/>
+              <a:ext cx="3086151" cy="2100262"/>
+            </a:xfrm>
+            <a:prstGeom prst="straightConnector1">
+              <a:avLst/>
+            </a:prstGeom>
+            <a:ln w="6350">
+              <a:solidFill>
+                <a:schemeClr val="bg2">
+                  <a:lumMod val="25000"/>
+                </a:schemeClr>
+              </a:solidFill>
+              <a:tailEnd type="triangle"/>
+            </a:ln>
+          </p:spPr>
+          <p:style>
+            <a:lnRef idx="1">
+              <a:schemeClr val="accent3"/>
+            </a:lnRef>
+            <a:fillRef idx="0">
+              <a:schemeClr val="accent3"/>
+            </a:fillRef>
+            <a:effectRef idx="0">
+              <a:schemeClr val="accent3"/>
+            </a:effectRef>
+            <a:fontRef idx="minor">
+              <a:schemeClr val="tx1"/>
+            </a:fontRef>
+          </p:style>
+        </p:cxnSp>
+      </p:grpSp>
     </p:spTree>
     <p:extLst>
       <p:ext uri="{BB962C8B-B14F-4D97-AF65-F5344CB8AC3E}">
-        <p14:creationId xmlns:p14="http://schemas.microsoft.com/office/powerpoint/2010/main" val="2974758000"/>
+        <p14:creationId xmlns:p14="http://schemas.microsoft.com/office/powerpoint/2010/main" val="2659138174"/>
       </p:ext>
     </p:extLst>
   </p:cSld>
@@ -5922,181 +7476,138 @@
           <a:chExt cx="0" cy="0"/>
         </a:xfrm>
       </p:grpSpPr>
-      <p:sp>
-        <p:nvSpPr>
-          <p:cNvPr id="4" name="CuadroTexto 3">
-            <a:extLst>
-              <a:ext uri="{FF2B5EF4-FFF2-40B4-BE49-F238E27FC236}">
-                <a16:creationId xmlns:a16="http://schemas.microsoft.com/office/drawing/2014/main" id="{D4B964EE-EF62-18F3-6FF7-A9B8F3782AF8}"/>
-              </a:ext>
-            </a:extLst>
-          </p:cNvPr>
-          <p:cNvSpPr txBox="1"/>
+      <p:grpSp>
+        <p:nvGrpSpPr>
+          <p:cNvPr id="7" name="Grupo 6">
+            <a:extLst>
+              <a:ext uri="{FF2B5EF4-FFF2-40B4-BE49-F238E27FC236}">
+                <a16:creationId xmlns:a16="http://schemas.microsoft.com/office/drawing/2014/main" id="{C7893E01-17C6-6B25-288D-3BD199D6E7B1}"/>
+              </a:ext>
+            </a:extLst>
+          </p:cNvPr>
+          <p:cNvGrpSpPr/>
           <p:nvPr/>
-        </p:nvSpPr>
-        <p:spPr>
+        </p:nvGrpSpPr>
+        <p:grpSpPr>
           <a:xfrm>
-            <a:off x="496199" y="607351"/>
-            <a:ext cx="1666997" cy="307777"/>
+            <a:off x="-2003123" y="1100126"/>
+            <a:ext cx="15704659" cy="4657748"/>
+            <a:chOff x="-2003123" y="1100126"/>
+            <a:chExt cx="15704659" cy="4657748"/>
           </a:xfrm>
-          <a:prstGeom prst="rect">
-            <a:avLst/>
-          </a:prstGeom>
-          <a:noFill/>
-        </p:spPr>
-        <p:txBody>
-          <a:bodyPr wrap="square" rtlCol="0">
-            <a:spAutoFit/>
-          </a:bodyPr>
-          <a:lstStyle>
-            <a:defPPr>
-              <a:defRPr lang="en-US"/>
-            </a:defPPr>
-            <a:lvl1pPr algn="ctr">
-              <a:defRPr sz="1100" b="1">
-                <a:solidFill>
-                  <a:schemeClr val="bg2">
-                    <a:lumMod val="25000"/>
-                  </a:schemeClr>
-                </a:solidFill>
-                <a:latin typeface="Segoe UI Light" panose="020B0502040204020203" pitchFamily="34" charset="0"/>
-                <a:cs typeface="Segoe UI Light" panose="020B0502040204020203" pitchFamily="34" charset="0"/>
-              </a:defRPr>
-            </a:lvl1pPr>
-          </a:lstStyle>
-          <a:p>
-            <a:r>
-              <a:rPr lang="es-VE" sz="1400" dirty="0" err="1">
-                <a:solidFill>
-                  <a:schemeClr val="bg2">
-                    <a:lumMod val="10000"/>
-                  </a:schemeClr>
-                </a:solidFill>
-              </a:rPr>
-              <a:t>Sediment</a:t>
-            </a:r>
-            <a:r>
-              <a:rPr lang="es-VE" sz="1400" dirty="0">
-                <a:solidFill>
-                  <a:schemeClr val="bg2">
-                    <a:lumMod val="10000"/>
-                  </a:schemeClr>
-                </a:solidFill>
-              </a:rPr>
-              <a:t> Data</a:t>
-            </a:r>
-            <a:endParaRPr lang="es-VE" sz="1200" baseline="-25000" dirty="0">
+        </p:grpSpPr>
+        <p:pic>
+          <p:nvPicPr>
+            <p:cNvPr id="2" name="Imagen 1">
+              <a:extLst>
+                <a:ext uri="{FF2B5EF4-FFF2-40B4-BE49-F238E27FC236}">
+                  <a16:creationId xmlns:a16="http://schemas.microsoft.com/office/drawing/2014/main" id="{301C79A7-6EB0-CCCD-BF2D-62FEEFDD7B1F}"/>
+                </a:ext>
+              </a:extLst>
+            </p:cNvPr>
+            <p:cNvPicPr>
+              <a:picLocks noChangeAspect="1"/>
+            </p:cNvPicPr>
+            <p:nvPr/>
+          </p:nvPicPr>
+          <p:blipFill>
+            <a:blip r:embed="rId2"/>
+            <a:stretch>
+              <a:fillRect/>
+            </a:stretch>
+          </p:blipFill>
+          <p:spPr>
+            <a:xfrm>
+              <a:off x="5849207" y="1100126"/>
+              <a:ext cx="7852329" cy="4657748"/>
+            </a:xfrm>
+            <a:prstGeom prst="rect">
+              <a:avLst/>
+            </a:prstGeom>
+          </p:spPr>
+        </p:pic>
+        <p:pic>
+          <p:nvPicPr>
+            <p:cNvPr id="4" name="Imagen 3">
+              <a:extLst>
+                <a:ext uri="{FF2B5EF4-FFF2-40B4-BE49-F238E27FC236}">
+                  <a16:creationId xmlns:a16="http://schemas.microsoft.com/office/drawing/2014/main" id="{9DCB5E33-7ADF-7395-91F9-1752D3A3E505}"/>
+                </a:ext>
+              </a:extLst>
+            </p:cNvPr>
+            <p:cNvPicPr>
+              <a:picLocks noChangeAspect="1"/>
+            </p:cNvPicPr>
+            <p:nvPr/>
+          </p:nvPicPr>
+          <p:blipFill>
+            <a:blip r:embed="rId3"/>
+            <a:stretch>
+              <a:fillRect/>
+            </a:stretch>
+          </p:blipFill>
+          <p:spPr>
+            <a:xfrm>
+              <a:off x="-2003123" y="1100126"/>
+              <a:ext cx="7852329" cy="4657748"/>
+            </a:xfrm>
+            <a:prstGeom prst="rect">
+              <a:avLst/>
+            </a:prstGeom>
+          </p:spPr>
+        </p:pic>
+        <p:cxnSp>
+          <p:nvCxnSpPr>
+            <p:cNvPr id="5" name="Conector recto de flecha 4">
+              <a:extLst>
+                <a:ext uri="{FF2B5EF4-FFF2-40B4-BE49-F238E27FC236}">
+                  <a16:creationId xmlns:a16="http://schemas.microsoft.com/office/drawing/2014/main" id="{2F8AB4D3-C0CC-0C1E-4825-BAAA765E6E76}"/>
+                </a:ext>
+              </a:extLst>
+            </p:cNvPr>
+            <p:cNvCxnSpPr>
+              <a:cxnSpLocks/>
+            </p:cNvCxnSpPr>
+            <p:nvPr/>
+          </p:nvCxnSpPr>
+          <p:spPr>
+            <a:xfrm>
+              <a:off x="9867679" y="2643414"/>
+              <a:ext cx="0" cy="760186"/>
+            </a:xfrm>
+            <a:prstGeom prst="straightConnector1">
+              <a:avLst/>
+            </a:prstGeom>
+            <a:ln w="6350">
               <a:solidFill>
                 <a:schemeClr val="bg2">
-                  <a:lumMod val="10000"/>
+                  <a:lumMod val="25000"/>
                 </a:schemeClr>
               </a:solidFill>
-            </a:endParaRPr>
-          </a:p>
-        </p:txBody>
-      </p:sp>
-      <p:cxnSp>
-        <p:nvCxnSpPr>
-          <p:cNvPr id="5" name="Conector recto de flecha 4">
-            <a:extLst>
-              <a:ext uri="{FF2B5EF4-FFF2-40B4-BE49-F238E27FC236}">
-                <a16:creationId xmlns:a16="http://schemas.microsoft.com/office/drawing/2014/main" id="{2F8AB4D3-C0CC-0C1E-4825-BAAA765E6E76}"/>
-              </a:ext>
-            </a:extLst>
-          </p:cNvPr>
-          <p:cNvCxnSpPr>
-            <a:cxnSpLocks/>
-          </p:cNvCxnSpPr>
-          <p:nvPr/>
-        </p:nvCxnSpPr>
-        <p:spPr>
-          <a:xfrm>
-            <a:off x="380779" y="2414775"/>
-            <a:ext cx="1340877" cy="1191164"/>
-          </a:xfrm>
-          <a:prstGeom prst="straightConnector1">
-            <a:avLst/>
-          </a:prstGeom>
-          <a:ln w="6350">
-            <a:solidFill>
-              <a:schemeClr val="bg2">
-                <a:lumMod val="25000"/>
-              </a:schemeClr>
-            </a:solidFill>
-            <a:tailEnd type="triangle"/>
-          </a:ln>
-        </p:spPr>
-        <p:style>
-          <a:lnRef idx="1">
-            <a:schemeClr val="accent3"/>
-          </a:lnRef>
-          <a:fillRef idx="0">
-            <a:schemeClr val="accent3"/>
-          </a:fillRef>
-          <a:effectRef idx="0">
-            <a:schemeClr val="accent3"/>
-          </a:effectRef>
-          <a:fontRef idx="minor">
-            <a:schemeClr val="tx1"/>
-          </a:fontRef>
-        </p:style>
-      </p:cxnSp>
-      <p:sp>
-        <p:nvSpPr>
-          <p:cNvPr id="6" name="Rectángulo 5">
-            <a:extLst>
-              <a:ext uri="{FF2B5EF4-FFF2-40B4-BE49-F238E27FC236}">
-                <a16:creationId xmlns:a16="http://schemas.microsoft.com/office/drawing/2014/main" id="{FBF1C320-0E1C-4CB3-E69C-BC89C1030E39}"/>
-              </a:ext>
-            </a:extLst>
-          </p:cNvPr>
-          <p:cNvSpPr/>
-          <p:nvPr/>
-        </p:nvSpPr>
-        <p:spPr>
-          <a:xfrm>
-            <a:off x="834224" y="1838199"/>
-            <a:ext cx="1167296" cy="307777"/>
-          </a:xfrm>
-          <a:prstGeom prst="rect">
-            <a:avLst/>
-          </a:prstGeom>
-          <a:noFill/>
-          <a:ln w="28575">
-            <a:solidFill>
-              <a:srgbClr val="C00000"/>
-            </a:solidFill>
-          </a:ln>
-        </p:spPr>
-        <p:style>
-          <a:lnRef idx="2">
-            <a:schemeClr val="accent1">
-              <a:shade val="50000"/>
-            </a:schemeClr>
-          </a:lnRef>
-          <a:fillRef idx="1">
-            <a:schemeClr val="accent1"/>
-          </a:fillRef>
-          <a:effectRef idx="0">
-            <a:schemeClr val="accent1"/>
-          </a:effectRef>
-          <a:fontRef idx="minor">
-            <a:schemeClr val="lt1"/>
-          </a:fontRef>
-        </p:style>
-        <p:txBody>
-          <a:bodyPr rtlCol="0" anchor="ctr"/>
-          <a:lstStyle/>
-          <a:p>
-            <a:pPr algn="ctr"/>
-            <a:endParaRPr lang="en-US"/>
-          </a:p>
-        </p:txBody>
-      </p:sp>
+              <a:headEnd type="triangle" w="med" len="med"/>
+              <a:tailEnd type="triangle" w="med" len="med"/>
+            </a:ln>
+          </p:spPr>
+          <p:style>
+            <a:lnRef idx="1">
+              <a:schemeClr val="accent3"/>
+            </a:lnRef>
+            <a:fillRef idx="0">
+              <a:schemeClr val="accent3"/>
+            </a:fillRef>
+            <a:effectRef idx="0">
+              <a:schemeClr val="accent3"/>
+            </a:effectRef>
+            <a:fontRef idx="minor">
+              <a:schemeClr val="tx1"/>
+            </a:fontRef>
+          </p:style>
+        </p:cxnSp>
+      </p:grpSp>
     </p:spTree>
     <p:extLst>
       <p:ext uri="{BB962C8B-B14F-4D97-AF65-F5344CB8AC3E}">
-        <p14:creationId xmlns:p14="http://schemas.microsoft.com/office/powerpoint/2010/main" val="1877789181"/>
+        <p14:creationId xmlns:p14="http://schemas.microsoft.com/office/powerpoint/2010/main" val="2715852942"/>
       </p:ext>
     </p:extLst>
   </p:cSld>
